--- a/개인작업폴더/김나연/물행성.pptx
+++ b/개인작업폴더/김나연/물행성.pptx
@@ -4665,11 +4665,11 @@
         <p:spPr>
           <a:xfrm flipV="1">
             <a:off x="869950" y="3270121"/>
-            <a:ext cx="3034993" cy="1663700"/>
+            <a:ext cx="3034993" cy="1365171"/>
           </a:xfrm>
           <a:prstGeom prst="bentConnector3">
             <a:avLst>
-              <a:gd name="adj1" fmla="val -428"/>
+              <a:gd name="adj1" fmla="val -214"/>
             </a:avLst>
           </a:prstGeom>
           <a:ln w="38100">
@@ -5223,62 +5223,6 @@
           <a:bodyPr wrap="square" rtlCol="0" anchor="ctr">
             <a:noAutofit/>
           </a:bodyPr>
-          <a:lstStyle/>
-          <a:p>
-            <a:pPr algn="ctr"/>
-            <a:endParaRPr lang="ko-KR" altLang="en-US" dirty="0"/>
-          </a:p>
-        </p:txBody>
-      </p:sp>
-      <p:sp>
-        <p:nvSpPr>
-          <p:cNvPr id="57" name="직사각형 56">
-            <a:extLst>
-              <a:ext uri="{FF2B5EF4-FFF2-40B4-BE49-F238E27FC236}">
-                <a16:creationId xmlns:a16="http://schemas.microsoft.com/office/drawing/2014/main" id="{1396AAD4-2782-4C45-B9B7-EB476457ED2C}"/>
-              </a:ext>
-            </a:extLst>
-          </p:cNvPr>
-          <p:cNvSpPr/>
-          <p:nvPr/>
-        </p:nvSpPr>
-        <p:spPr>
-          <a:xfrm>
-            <a:off x="8647215" y="5077795"/>
-            <a:ext cx="530635" cy="264549"/>
-          </a:xfrm>
-          <a:prstGeom prst="rect">
-            <a:avLst/>
-          </a:prstGeom>
-          <a:solidFill>
-            <a:schemeClr val="accent1"/>
-          </a:solidFill>
-          <a:ln w="28575">
-            <a:solidFill>
-              <a:schemeClr val="tx2">
-                <a:lumMod val="75000"/>
-              </a:schemeClr>
-            </a:solidFill>
-          </a:ln>
-        </p:spPr>
-        <p:style>
-          <a:lnRef idx="2">
-            <a:schemeClr val="accent1">
-              <a:shade val="50000"/>
-            </a:schemeClr>
-          </a:lnRef>
-          <a:fillRef idx="1">
-            <a:schemeClr val="accent1"/>
-          </a:fillRef>
-          <a:effectRef idx="0">
-            <a:schemeClr val="accent1"/>
-          </a:effectRef>
-          <a:fontRef idx="minor">
-            <a:schemeClr val="lt1"/>
-          </a:fontRef>
-        </p:style>
-        <p:txBody>
-          <a:bodyPr rtlCol="0" anchor="ctr"/>
           <a:lstStyle/>
           <a:p>
             <a:pPr algn="ctr"/>

--- a/개인작업폴더/김나연/물행성.pptx
+++ b/개인작업폴더/김나연/물행성.pptx
@@ -6,8 +6,8 @@
   </p:sldMasterIdLst>
   <p:sldIdLst>
     <p:sldId id="257" r:id="rId2"/>
-    <p:sldId id="258" r:id="rId3"/>
-    <p:sldId id="256" r:id="rId4"/>
+    <p:sldId id="260" r:id="rId3"/>
+    <p:sldId id="259" r:id="rId4"/>
   </p:sldIdLst>
   <p:sldSz cx="12192000" cy="6858000"/>
   <p:notesSz cx="6858000" cy="9144000"/>
@@ -261,7 +261,7 @@
           <a:p>
             <a:fld id="{7F50CD76-39A2-4CEB-A455-31DD505DA85D}" type="datetimeFigureOut">
               <a:rPr lang="ko-KR" altLang="en-US" smtClean="0"/>
-              <a:t>2021-01-24</a:t>
+              <a:t>2021-01-26</a:t>
             </a:fld>
             <a:endParaRPr lang="ko-KR" altLang="en-US"/>
           </a:p>
@@ -459,7 +459,7 @@
           <a:p>
             <a:fld id="{7F50CD76-39A2-4CEB-A455-31DD505DA85D}" type="datetimeFigureOut">
               <a:rPr lang="ko-KR" altLang="en-US" smtClean="0"/>
-              <a:t>2021-01-24</a:t>
+              <a:t>2021-01-26</a:t>
             </a:fld>
             <a:endParaRPr lang="ko-KR" altLang="en-US"/>
           </a:p>
@@ -667,7 +667,7 @@
           <a:p>
             <a:fld id="{7F50CD76-39A2-4CEB-A455-31DD505DA85D}" type="datetimeFigureOut">
               <a:rPr lang="ko-KR" altLang="en-US" smtClean="0"/>
-              <a:t>2021-01-24</a:t>
+              <a:t>2021-01-26</a:t>
             </a:fld>
             <a:endParaRPr lang="ko-KR" altLang="en-US"/>
           </a:p>
@@ -865,7 +865,7 @@
           <a:p>
             <a:fld id="{7F50CD76-39A2-4CEB-A455-31DD505DA85D}" type="datetimeFigureOut">
               <a:rPr lang="ko-KR" altLang="en-US" smtClean="0"/>
-              <a:t>2021-01-24</a:t>
+              <a:t>2021-01-26</a:t>
             </a:fld>
             <a:endParaRPr lang="ko-KR" altLang="en-US"/>
           </a:p>
@@ -1140,7 +1140,7 @@
           <a:p>
             <a:fld id="{7F50CD76-39A2-4CEB-A455-31DD505DA85D}" type="datetimeFigureOut">
               <a:rPr lang="ko-KR" altLang="en-US" smtClean="0"/>
-              <a:t>2021-01-24</a:t>
+              <a:t>2021-01-26</a:t>
             </a:fld>
             <a:endParaRPr lang="ko-KR" altLang="en-US"/>
           </a:p>
@@ -1405,7 +1405,7 @@
           <a:p>
             <a:fld id="{7F50CD76-39A2-4CEB-A455-31DD505DA85D}" type="datetimeFigureOut">
               <a:rPr lang="ko-KR" altLang="en-US" smtClean="0"/>
-              <a:t>2021-01-24</a:t>
+              <a:t>2021-01-26</a:t>
             </a:fld>
             <a:endParaRPr lang="ko-KR" altLang="en-US"/>
           </a:p>
@@ -1817,7 +1817,7 @@
           <a:p>
             <a:fld id="{7F50CD76-39A2-4CEB-A455-31DD505DA85D}" type="datetimeFigureOut">
               <a:rPr lang="ko-KR" altLang="en-US" smtClean="0"/>
-              <a:t>2021-01-24</a:t>
+              <a:t>2021-01-26</a:t>
             </a:fld>
             <a:endParaRPr lang="ko-KR" altLang="en-US"/>
           </a:p>
@@ -1958,7 +1958,7 @@
           <a:p>
             <a:fld id="{7F50CD76-39A2-4CEB-A455-31DD505DA85D}" type="datetimeFigureOut">
               <a:rPr lang="ko-KR" altLang="en-US" smtClean="0"/>
-              <a:t>2021-01-24</a:t>
+              <a:t>2021-01-26</a:t>
             </a:fld>
             <a:endParaRPr lang="ko-KR" altLang="en-US"/>
           </a:p>
@@ -2071,7 +2071,7 @@
           <a:p>
             <a:fld id="{7F50CD76-39A2-4CEB-A455-31DD505DA85D}" type="datetimeFigureOut">
               <a:rPr lang="ko-KR" altLang="en-US" smtClean="0"/>
-              <a:t>2021-01-24</a:t>
+              <a:t>2021-01-26</a:t>
             </a:fld>
             <a:endParaRPr lang="ko-KR" altLang="en-US"/>
           </a:p>
@@ -2382,7 +2382,7 @@
           <a:p>
             <a:fld id="{7F50CD76-39A2-4CEB-A455-31DD505DA85D}" type="datetimeFigureOut">
               <a:rPr lang="ko-KR" altLang="en-US" smtClean="0"/>
-              <a:t>2021-01-24</a:t>
+              <a:t>2021-01-26</a:t>
             </a:fld>
             <a:endParaRPr lang="ko-KR" altLang="en-US"/>
           </a:p>
@@ -2670,7 +2670,7 @@
           <a:p>
             <a:fld id="{7F50CD76-39A2-4CEB-A455-31DD505DA85D}" type="datetimeFigureOut">
               <a:rPr lang="ko-KR" altLang="en-US" smtClean="0"/>
-              <a:t>2021-01-24</a:t>
+              <a:t>2021-01-26</a:t>
             </a:fld>
             <a:endParaRPr lang="ko-KR" altLang="en-US"/>
           </a:p>
@@ -2911,7 +2911,7 @@
           <a:p>
             <a:fld id="{7F50CD76-39A2-4CEB-A455-31DD505DA85D}" type="datetimeFigureOut">
               <a:rPr lang="ko-KR" altLang="en-US" smtClean="0"/>
-              <a:t>2021-01-24</a:t>
+              <a:t>2021-01-26</a:t>
             </a:fld>
             <a:endParaRPr lang="ko-KR" altLang="en-US"/>
           </a:p>
@@ -3681,10 +3681,1402 @@
           <a:chExt cx="0" cy="0"/>
         </a:xfrm>
       </p:grpSpPr>
+      <p:sp>
+        <p:nvSpPr>
+          <p:cNvPr id="12" name="직사각형 11">
+            <a:extLst>
+              <a:ext uri="{FF2B5EF4-FFF2-40B4-BE49-F238E27FC236}">
+                <a16:creationId xmlns:a16="http://schemas.microsoft.com/office/drawing/2014/main" id="{D7BE6F4C-F93D-41B7-8EED-32462A692FAD}"/>
+              </a:ext>
+            </a:extLst>
+          </p:cNvPr>
+          <p:cNvSpPr/>
+          <p:nvPr/>
+        </p:nvSpPr>
+        <p:spPr>
+          <a:xfrm>
+            <a:off x="463243" y="433853"/>
+            <a:ext cx="259529" cy="259529"/>
+          </a:xfrm>
+          <a:prstGeom prst="rect">
+            <a:avLst/>
+          </a:prstGeom>
+          <a:solidFill>
+            <a:schemeClr val="accent4">
+              <a:lumMod val="20000"/>
+              <a:lumOff val="80000"/>
+            </a:schemeClr>
+          </a:solidFill>
+          <a:ln w="28575">
+            <a:solidFill>
+              <a:schemeClr val="tx2">
+                <a:lumMod val="75000"/>
+              </a:schemeClr>
+            </a:solidFill>
+          </a:ln>
+        </p:spPr>
+        <p:style>
+          <a:lnRef idx="2">
+            <a:schemeClr val="accent1">
+              <a:shade val="50000"/>
+            </a:schemeClr>
+          </a:lnRef>
+          <a:fillRef idx="1">
+            <a:schemeClr val="accent1"/>
+          </a:fillRef>
+          <a:effectRef idx="0">
+            <a:schemeClr val="accent1"/>
+          </a:effectRef>
+          <a:fontRef idx="minor">
+            <a:schemeClr val="lt1"/>
+          </a:fontRef>
+        </p:style>
+        <p:txBody>
+          <a:bodyPr rtlCol="0" anchor="ctr"/>
+          <a:lstStyle/>
+          <a:p>
+            <a:pPr algn="ctr"/>
+            <a:endParaRPr lang="ko-KR" altLang="en-US"/>
+          </a:p>
+        </p:txBody>
+      </p:sp>
+      <p:sp>
+        <p:nvSpPr>
+          <p:cNvPr id="13" name="TextBox 12">
+            <a:extLst>
+              <a:ext uri="{FF2B5EF4-FFF2-40B4-BE49-F238E27FC236}">
+                <a16:creationId xmlns:a16="http://schemas.microsoft.com/office/drawing/2014/main" id="{AD2D5210-BC3D-4292-8ACD-EB8EEDEADA37}"/>
+              </a:ext>
+            </a:extLst>
+          </p:cNvPr>
+          <p:cNvSpPr txBox="1"/>
+          <p:nvPr/>
+        </p:nvSpPr>
+        <p:spPr>
+          <a:xfrm>
+            <a:off x="869950" y="409728"/>
+            <a:ext cx="902811" cy="307777"/>
+          </a:xfrm>
+          <a:prstGeom prst="rect">
+            <a:avLst/>
+          </a:prstGeom>
+          <a:noFill/>
+        </p:spPr>
+        <p:txBody>
+          <a:bodyPr wrap="none" rtlCol="0">
+            <a:spAutoFit/>
+          </a:bodyPr>
+          <a:lstStyle/>
+          <a:p>
+            <a:r>
+              <a:rPr lang="ko-KR" altLang="en-US" sz="1400" dirty="0"/>
+              <a:t>오브젝트</a:t>
+            </a:r>
+          </a:p>
+        </p:txBody>
+      </p:sp>
+      <p:sp>
+        <p:nvSpPr>
+          <p:cNvPr id="14" name="직사각형 13">
+            <a:extLst>
+              <a:ext uri="{FF2B5EF4-FFF2-40B4-BE49-F238E27FC236}">
+                <a16:creationId xmlns:a16="http://schemas.microsoft.com/office/drawing/2014/main" id="{4027E696-B686-4171-A16A-97CACA200862}"/>
+              </a:ext>
+            </a:extLst>
+          </p:cNvPr>
+          <p:cNvSpPr/>
+          <p:nvPr/>
+        </p:nvSpPr>
+        <p:spPr>
+          <a:xfrm>
+            <a:off x="463243" y="861984"/>
+            <a:ext cx="259529" cy="259530"/>
+          </a:xfrm>
+          <a:prstGeom prst="rect">
+            <a:avLst/>
+          </a:prstGeom>
+          <a:solidFill>
+            <a:schemeClr val="accent1"/>
+          </a:solidFill>
+          <a:ln w="28575">
+            <a:solidFill>
+              <a:schemeClr val="tx2">
+                <a:lumMod val="75000"/>
+              </a:schemeClr>
+            </a:solidFill>
+          </a:ln>
+        </p:spPr>
+        <p:style>
+          <a:lnRef idx="2">
+            <a:schemeClr val="accent1">
+              <a:shade val="50000"/>
+            </a:schemeClr>
+          </a:lnRef>
+          <a:fillRef idx="1">
+            <a:schemeClr val="accent1"/>
+          </a:fillRef>
+          <a:effectRef idx="0">
+            <a:schemeClr val="accent1"/>
+          </a:effectRef>
+          <a:fontRef idx="minor">
+            <a:schemeClr val="lt1"/>
+          </a:fontRef>
+        </p:style>
+        <p:txBody>
+          <a:bodyPr rtlCol="0" anchor="ctr"/>
+          <a:lstStyle/>
+          <a:p>
+            <a:pPr algn="ctr"/>
+            <a:endParaRPr lang="ko-KR" altLang="en-US"/>
+          </a:p>
+        </p:txBody>
+      </p:sp>
+      <p:sp>
+        <p:nvSpPr>
+          <p:cNvPr id="15" name="TextBox 14">
+            <a:extLst>
+              <a:ext uri="{FF2B5EF4-FFF2-40B4-BE49-F238E27FC236}">
+                <a16:creationId xmlns:a16="http://schemas.microsoft.com/office/drawing/2014/main" id="{DCA4EF91-8A79-478E-BAAA-81D46CC0DFBC}"/>
+              </a:ext>
+            </a:extLst>
+          </p:cNvPr>
+          <p:cNvSpPr txBox="1"/>
+          <p:nvPr/>
+        </p:nvSpPr>
+        <p:spPr>
+          <a:xfrm>
+            <a:off x="1139254" y="837860"/>
+            <a:ext cx="364202" cy="307777"/>
+          </a:xfrm>
+          <a:prstGeom prst="rect">
+            <a:avLst/>
+          </a:prstGeom>
+          <a:noFill/>
+        </p:spPr>
+        <p:txBody>
+          <a:bodyPr wrap="none" rtlCol="0">
+            <a:spAutoFit/>
+          </a:bodyPr>
+          <a:lstStyle/>
+          <a:p>
+            <a:r>
+              <a:rPr lang="ko-KR" altLang="en-US" sz="1400" dirty="0"/>
+              <a:t>물</a:t>
+            </a:r>
+          </a:p>
+        </p:txBody>
+      </p:sp>
+      <p:sp>
+        <p:nvSpPr>
+          <p:cNvPr id="16" name="직사각형 15">
+            <a:extLst>
+              <a:ext uri="{FF2B5EF4-FFF2-40B4-BE49-F238E27FC236}">
+                <a16:creationId xmlns:a16="http://schemas.microsoft.com/office/drawing/2014/main" id="{F5E505D5-0CF3-4F5B-8B8F-E157A937ABDC}"/>
+              </a:ext>
+            </a:extLst>
+          </p:cNvPr>
+          <p:cNvSpPr/>
+          <p:nvPr/>
+        </p:nvSpPr>
+        <p:spPr>
+          <a:xfrm>
+            <a:off x="463243" y="1290116"/>
+            <a:ext cx="259529" cy="259530"/>
+          </a:xfrm>
+          <a:prstGeom prst="rect">
+            <a:avLst/>
+          </a:prstGeom>
+          <a:solidFill>
+            <a:schemeClr val="tx1">
+              <a:lumMod val="50000"/>
+              <a:lumOff val="50000"/>
+            </a:schemeClr>
+          </a:solidFill>
+          <a:ln w="28575">
+            <a:solidFill>
+              <a:schemeClr val="tx2">
+                <a:lumMod val="75000"/>
+              </a:schemeClr>
+            </a:solidFill>
+          </a:ln>
+        </p:spPr>
+        <p:style>
+          <a:lnRef idx="2">
+            <a:schemeClr val="accent1">
+              <a:shade val="50000"/>
+            </a:schemeClr>
+          </a:lnRef>
+          <a:fillRef idx="1">
+            <a:schemeClr val="accent1"/>
+          </a:fillRef>
+          <a:effectRef idx="0">
+            <a:schemeClr val="accent1"/>
+          </a:effectRef>
+          <a:fontRef idx="minor">
+            <a:schemeClr val="lt1"/>
+          </a:fontRef>
+        </p:style>
+        <p:txBody>
+          <a:bodyPr rtlCol="0" anchor="ctr"/>
+          <a:lstStyle/>
+          <a:p>
+            <a:pPr algn="ctr"/>
+            <a:endParaRPr lang="ko-KR" altLang="en-US"/>
+          </a:p>
+        </p:txBody>
+      </p:sp>
+      <p:sp>
+        <p:nvSpPr>
+          <p:cNvPr id="17" name="TextBox 16">
+            <a:extLst>
+              <a:ext uri="{FF2B5EF4-FFF2-40B4-BE49-F238E27FC236}">
+                <a16:creationId xmlns:a16="http://schemas.microsoft.com/office/drawing/2014/main" id="{978CB676-9F38-491D-95EC-12D319A379DB}"/>
+              </a:ext>
+            </a:extLst>
+          </p:cNvPr>
+          <p:cNvSpPr txBox="1"/>
+          <p:nvPr/>
+        </p:nvSpPr>
+        <p:spPr>
+          <a:xfrm>
+            <a:off x="869950" y="1265992"/>
+            <a:ext cx="902811" cy="307777"/>
+          </a:xfrm>
+          <a:prstGeom prst="rect">
+            <a:avLst/>
+          </a:prstGeom>
+          <a:noFill/>
+        </p:spPr>
+        <p:txBody>
+          <a:bodyPr wrap="none" rtlCol="0">
+            <a:spAutoFit/>
+          </a:bodyPr>
+          <a:lstStyle/>
+          <a:p>
+            <a:r>
+              <a:rPr lang="ko-KR" altLang="en-US" sz="1400" dirty="0"/>
+              <a:t>이동통로</a:t>
+            </a:r>
+          </a:p>
+        </p:txBody>
+      </p:sp>
+      <p:cxnSp>
+        <p:nvCxnSpPr>
+          <p:cNvPr id="24" name="직선 화살표 연결선 23">
+            <a:extLst>
+              <a:ext uri="{FF2B5EF4-FFF2-40B4-BE49-F238E27FC236}">
+                <a16:creationId xmlns:a16="http://schemas.microsoft.com/office/drawing/2014/main" id="{3F6F52C7-6D88-4C3D-BF9A-EFD4FD58B040}"/>
+              </a:ext>
+            </a:extLst>
+          </p:cNvPr>
+          <p:cNvCxnSpPr/>
+          <p:nvPr/>
+        </p:nvCxnSpPr>
+        <p:spPr>
+          <a:xfrm>
+            <a:off x="463243" y="1814483"/>
+            <a:ext cx="259529" cy="0"/>
+          </a:xfrm>
+          <a:prstGeom prst="straightConnector1">
+            <a:avLst/>
+          </a:prstGeom>
+          <a:ln w="19050">
+            <a:solidFill>
+              <a:srgbClr val="C00000"/>
+            </a:solidFill>
+            <a:tailEnd type="triangle"/>
+          </a:ln>
+        </p:spPr>
+        <p:style>
+          <a:lnRef idx="1">
+            <a:schemeClr val="accent1"/>
+          </a:lnRef>
+          <a:fillRef idx="0">
+            <a:schemeClr val="accent1"/>
+          </a:fillRef>
+          <a:effectRef idx="0">
+            <a:schemeClr val="accent1"/>
+          </a:effectRef>
+          <a:fontRef idx="minor">
+            <a:schemeClr val="tx1"/>
+          </a:fontRef>
+        </p:style>
+      </p:cxnSp>
+      <p:sp>
+        <p:nvSpPr>
+          <p:cNvPr id="25" name="TextBox 24">
+            <a:extLst>
+              <a:ext uri="{FF2B5EF4-FFF2-40B4-BE49-F238E27FC236}">
+                <a16:creationId xmlns:a16="http://schemas.microsoft.com/office/drawing/2014/main" id="{18F29C9D-69E8-4916-B831-55ED59BC5844}"/>
+              </a:ext>
+            </a:extLst>
+          </p:cNvPr>
+          <p:cNvSpPr txBox="1"/>
+          <p:nvPr/>
+        </p:nvSpPr>
+        <p:spPr>
+          <a:xfrm>
+            <a:off x="869950" y="1660594"/>
+            <a:ext cx="1745991" cy="307777"/>
+          </a:xfrm>
+          <a:prstGeom prst="rect">
+            <a:avLst/>
+          </a:prstGeom>
+          <a:noFill/>
+        </p:spPr>
+        <p:txBody>
+          <a:bodyPr wrap="none" rtlCol="0">
+            <a:spAutoFit/>
+          </a:bodyPr>
+          <a:lstStyle/>
+          <a:p>
+            <a:r>
+              <a:rPr lang="ko-KR" altLang="en-US" sz="1400" dirty="0"/>
+              <a:t>플레이어 이동 방향</a:t>
+            </a:r>
+          </a:p>
+        </p:txBody>
+      </p:sp>
+      <p:sp>
+        <p:nvSpPr>
+          <p:cNvPr id="2" name="직사각형 1">
+            <a:extLst>
+              <a:ext uri="{FF2B5EF4-FFF2-40B4-BE49-F238E27FC236}">
+                <a16:creationId xmlns:a16="http://schemas.microsoft.com/office/drawing/2014/main" id="{16FE65A2-4326-4437-802E-95C6B02C1EFB}"/>
+              </a:ext>
+            </a:extLst>
+          </p:cNvPr>
+          <p:cNvSpPr/>
+          <p:nvPr/>
+        </p:nvSpPr>
+        <p:spPr>
+          <a:xfrm>
+            <a:off x="16405" y="4950084"/>
+            <a:ext cx="1882392" cy="1443499"/>
+          </a:xfrm>
+          <a:prstGeom prst="rect">
+            <a:avLst/>
+          </a:prstGeom>
+          <a:noFill/>
+          <a:ln w="28575">
+            <a:solidFill>
+              <a:schemeClr val="tx2">
+                <a:lumMod val="75000"/>
+              </a:schemeClr>
+            </a:solidFill>
+          </a:ln>
+        </p:spPr>
+        <p:style>
+          <a:lnRef idx="2">
+            <a:schemeClr val="accent1">
+              <a:shade val="50000"/>
+            </a:schemeClr>
+          </a:lnRef>
+          <a:fillRef idx="1">
+            <a:schemeClr val="accent1"/>
+          </a:fillRef>
+          <a:effectRef idx="0">
+            <a:schemeClr val="accent1"/>
+          </a:effectRef>
+          <a:fontRef idx="minor">
+            <a:schemeClr val="lt1"/>
+          </a:fontRef>
+        </p:style>
+        <p:txBody>
+          <a:bodyPr rtlCol="0" anchor="ctr"/>
+          <a:lstStyle/>
+          <a:p>
+            <a:pPr algn="ctr"/>
+            <a:endParaRPr lang="ko-KR" altLang="en-US"/>
+          </a:p>
+        </p:txBody>
+      </p:sp>
+      <p:sp>
+        <p:nvSpPr>
+          <p:cNvPr id="3" name="직사각형 2">
+            <a:extLst>
+              <a:ext uri="{FF2B5EF4-FFF2-40B4-BE49-F238E27FC236}">
+                <a16:creationId xmlns:a16="http://schemas.microsoft.com/office/drawing/2014/main" id="{B8ED6FB4-7A26-456E-95D4-D187BACE630D}"/>
+              </a:ext>
+            </a:extLst>
+          </p:cNvPr>
+          <p:cNvSpPr/>
+          <p:nvPr/>
+        </p:nvSpPr>
+        <p:spPr>
+          <a:xfrm>
+            <a:off x="16405" y="5372067"/>
+            <a:ext cx="617101" cy="198783"/>
+          </a:xfrm>
+          <a:prstGeom prst="rect">
+            <a:avLst/>
+          </a:prstGeom>
+          <a:noFill/>
+          <a:ln w="28575">
+            <a:solidFill>
+              <a:schemeClr val="tx2">
+                <a:lumMod val="75000"/>
+              </a:schemeClr>
+            </a:solidFill>
+          </a:ln>
+        </p:spPr>
+        <p:style>
+          <a:lnRef idx="2">
+            <a:schemeClr val="accent1">
+              <a:shade val="50000"/>
+            </a:schemeClr>
+          </a:lnRef>
+          <a:fillRef idx="1">
+            <a:schemeClr val="accent1"/>
+          </a:fillRef>
+          <a:effectRef idx="0">
+            <a:schemeClr val="accent1"/>
+          </a:effectRef>
+          <a:fontRef idx="minor">
+            <a:schemeClr val="lt1"/>
+          </a:fontRef>
+        </p:style>
+        <p:txBody>
+          <a:bodyPr rtlCol="0" anchor="ctr"/>
+          <a:lstStyle/>
+          <a:p>
+            <a:pPr algn="ctr"/>
+            <a:endParaRPr lang="ko-KR" altLang="en-US"/>
+          </a:p>
+        </p:txBody>
+      </p:sp>
+      <p:sp>
+        <p:nvSpPr>
+          <p:cNvPr id="30" name="직사각형 29">
+            <a:extLst>
+              <a:ext uri="{FF2B5EF4-FFF2-40B4-BE49-F238E27FC236}">
+                <a16:creationId xmlns:a16="http://schemas.microsoft.com/office/drawing/2014/main" id="{6AD5AF3F-AC22-4754-867C-786F8C36DE1D}"/>
+              </a:ext>
+            </a:extLst>
+          </p:cNvPr>
+          <p:cNvSpPr/>
+          <p:nvPr/>
+        </p:nvSpPr>
+        <p:spPr>
+          <a:xfrm>
+            <a:off x="1281696" y="5800208"/>
+            <a:ext cx="617101" cy="198783"/>
+          </a:xfrm>
+          <a:prstGeom prst="rect">
+            <a:avLst/>
+          </a:prstGeom>
+          <a:noFill/>
+          <a:ln w="28575">
+            <a:solidFill>
+              <a:schemeClr val="tx2">
+                <a:lumMod val="75000"/>
+              </a:schemeClr>
+            </a:solidFill>
+          </a:ln>
+        </p:spPr>
+        <p:style>
+          <a:lnRef idx="2">
+            <a:schemeClr val="accent1">
+              <a:shade val="50000"/>
+            </a:schemeClr>
+          </a:lnRef>
+          <a:fillRef idx="1">
+            <a:schemeClr val="accent1"/>
+          </a:fillRef>
+          <a:effectRef idx="0">
+            <a:schemeClr val="accent1"/>
+          </a:effectRef>
+          <a:fontRef idx="minor">
+            <a:schemeClr val="lt1"/>
+          </a:fontRef>
+        </p:style>
+        <p:txBody>
+          <a:bodyPr rtlCol="0" anchor="ctr"/>
+          <a:lstStyle/>
+          <a:p>
+            <a:pPr algn="ctr"/>
+            <a:endParaRPr lang="ko-KR" altLang="en-US"/>
+          </a:p>
+        </p:txBody>
+      </p:sp>
+      <p:sp>
+        <p:nvSpPr>
+          <p:cNvPr id="32" name="직사각형 31">
+            <a:extLst>
+              <a:ext uri="{FF2B5EF4-FFF2-40B4-BE49-F238E27FC236}">
+                <a16:creationId xmlns:a16="http://schemas.microsoft.com/office/drawing/2014/main" id="{8F2CA6B4-891E-420C-A192-26E6CAD931D0}"/>
+              </a:ext>
+            </a:extLst>
+          </p:cNvPr>
+          <p:cNvSpPr/>
+          <p:nvPr/>
+        </p:nvSpPr>
+        <p:spPr>
+          <a:xfrm>
+            <a:off x="1281695" y="3802444"/>
+            <a:ext cx="617101" cy="198783"/>
+          </a:xfrm>
+          <a:prstGeom prst="rect">
+            <a:avLst/>
+          </a:prstGeom>
+          <a:noFill/>
+          <a:ln w="28575">
+            <a:solidFill>
+              <a:schemeClr val="tx2">
+                <a:lumMod val="75000"/>
+              </a:schemeClr>
+            </a:solidFill>
+          </a:ln>
+        </p:spPr>
+        <p:style>
+          <a:lnRef idx="2">
+            <a:schemeClr val="accent1">
+              <a:shade val="50000"/>
+            </a:schemeClr>
+          </a:lnRef>
+          <a:fillRef idx="1">
+            <a:schemeClr val="accent1"/>
+          </a:fillRef>
+          <a:effectRef idx="0">
+            <a:schemeClr val="accent1"/>
+          </a:effectRef>
+          <a:fontRef idx="minor">
+            <a:schemeClr val="lt1"/>
+          </a:fontRef>
+        </p:style>
+        <p:txBody>
+          <a:bodyPr rtlCol="0" anchor="ctr"/>
+          <a:lstStyle/>
+          <a:p>
+            <a:pPr algn="ctr"/>
+            <a:endParaRPr lang="ko-KR" altLang="en-US"/>
+          </a:p>
+        </p:txBody>
+      </p:sp>
+      <p:sp>
+        <p:nvSpPr>
+          <p:cNvPr id="33" name="직사각형 32">
+            <a:extLst>
+              <a:ext uri="{FF2B5EF4-FFF2-40B4-BE49-F238E27FC236}">
+                <a16:creationId xmlns:a16="http://schemas.microsoft.com/office/drawing/2014/main" id="{6B9BF1F2-3945-4CFF-B0C8-DA3452F6A001}"/>
+              </a:ext>
+            </a:extLst>
+          </p:cNvPr>
+          <p:cNvSpPr/>
+          <p:nvPr/>
+        </p:nvSpPr>
+        <p:spPr>
+          <a:xfrm>
+            <a:off x="16404" y="3052564"/>
+            <a:ext cx="617101" cy="198783"/>
+          </a:xfrm>
+          <a:prstGeom prst="rect">
+            <a:avLst/>
+          </a:prstGeom>
+          <a:noFill/>
+          <a:ln w="28575">
+            <a:solidFill>
+              <a:schemeClr val="tx2">
+                <a:lumMod val="75000"/>
+              </a:schemeClr>
+            </a:solidFill>
+          </a:ln>
+        </p:spPr>
+        <p:style>
+          <a:lnRef idx="2">
+            <a:schemeClr val="accent1">
+              <a:shade val="50000"/>
+            </a:schemeClr>
+          </a:lnRef>
+          <a:fillRef idx="1">
+            <a:schemeClr val="accent1"/>
+          </a:fillRef>
+          <a:effectRef idx="0">
+            <a:schemeClr val="accent1"/>
+          </a:effectRef>
+          <a:fontRef idx="minor">
+            <a:schemeClr val="lt1"/>
+          </a:fontRef>
+        </p:style>
+        <p:txBody>
+          <a:bodyPr rtlCol="0" anchor="ctr"/>
+          <a:lstStyle/>
+          <a:p>
+            <a:pPr algn="ctr"/>
+            <a:endParaRPr lang="ko-KR" altLang="en-US"/>
+          </a:p>
+        </p:txBody>
+      </p:sp>
+      <p:sp>
+        <p:nvSpPr>
+          <p:cNvPr id="34" name="직사각형 33">
+            <a:extLst>
+              <a:ext uri="{FF2B5EF4-FFF2-40B4-BE49-F238E27FC236}">
+                <a16:creationId xmlns:a16="http://schemas.microsoft.com/office/drawing/2014/main" id="{4B5430E4-A6A3-4390-873C-4FC8F9CA842C}"/>
+              </a:ext>
+            </a:extLst>
+          </p:cNvPr>
+          <p:cNvSpPr/>
+          <p:nvPr/>
+        </p:nvSpPr>
+        <p:spPr>
+          <a:xfrm>
+            <a:off x="0" y="4449942"/>
+            <a:ext cx="617101" cy="198783"/>
+          </a:xfrm>
+          <a:prstGeom prst="rect">
+            <a:avLst/>
+          </a:prstGeom>
+          <a:noFill/>
+          <a:ln w="28575">
+            <a:solidFill>
+              <a:schemeClr val="tx2">
+                <a:lumMod val="75000"/>
+              </a:schemeClr>
+            </a:solidFill>
+          </a:ln>
+        </p:spPr>
+        <p:style>
+          <a:lnRef idx="2">
+            <a:schemeClr val="accent1">
+              <a:shade val="50000"/>
+            </a:schemeClr>
+          </a:lnRef>
+          <a:fillRef idx="1">
+            <a:schemeClr val="accent1"/>
+          </a:fillRef>
+          <a:effectRef idx="0">
+            <a:schemeClr val="accent1"/>
+          </a:effectRef>
+          <a:fontRef idx="minor">
+            <a:schemeClr val="lt1"/>
+          </a:fontRef>
+        </p:style>
+        <p:txBody>
+          <a:bodyPr rtlCol="0" anchor="ctr"/>
+          <a:lstStyle/>
+          <a:p>
+            <a:pPr algn="ctr"/>
+            <a:endParaRPr lang="ko-KR" altLang="en-US"/>
+          </a:p>
+        </p:txBody>
+      </p:sp>
+      <p:sp>
+        <p:nvSpPr>
+          <p:cNvPr id="6" name="TextBox 5">
+            <a:extLst>
+              <a:ext uri="{FF2B5EF4-FFF2-40B4-BE49-F238E27FC236}">
+                <a16:creationId xmlns:a16="http://schemas.microsoft.com/office/drawing/2014/main" id="{45AD00DC-43E4-4FEE-AFDD-52B2EFF9A481}"/>
+              </a:ext>
+            </a:extLst>
+          </p:cNvPr>
+          <p:cNvSpPr txBox="1"/>
+          <p:nvPr/>
+        </p:nvSpPr>
+        <p:spPr>
+          <a:xfrm>
+            <a:off x="6296403" y="807082"/>
+            <a:ext cx="5835252" cy="369332"/>
+          </a:xfrm>
+          <a:prstGeom prst="rect">
+            <a:avLst/>
+          </a:prstGeom>
+          <a:noFill/>
+        </p:spPr>
+        <p:txBody>
+          <a:bodyPr wrap="none" rtlCol="0">
+            <a:spAutoFit/>
+          </a:bodyPr>
+          <a:lstStyle/>
+          <a:p>
+            <a:r>
+              <a:rPr lang="ko-KR" altLang="en-US" dirty="0"/>
+              <a:t>물 빼기를 이용한 난이도 하의 스테이지 하나 제작하기</a:t>
+            </a:r>
+          </a:p>
+        </p:txBody>
+      </p:sp>
+      <p:sp>
+        <p:nvSpPr>
+          <p:cNvPr id="48" name="자유형: 도형 47">
+            <a:extLst>
+              <a:ext uri="{FF2B5EF4-FFF2-40B4-BE49-F238E27FC236}">
+                <a16:creationId xmlns:a16="http://schemas.microsoft.com/office/drawing/2014/main" id="{572831A9-1D49-49F6-A779-FE328989E3AB}"/>
+              </a:ext>
+            </a:extLst>
+          </p:cNvPr>
+          <p:cNvSpPr/>
+          <p:nvPr/>
+        </p:nvSpPr>
+        <p:spPr>
+          <a:xfrm>
+            <a:off x="1898796" y="2641387"/>
+            <a:ext cx="9467224" cy="3752196"/>
+          </a:xfrm>
+          <a:custGeom>
+            <a:avLst/>
+            <a:gdLst>
+              <a:gd name="connsiteX0" fmla="*/ 0 w 9467224"/>
+              <a:gd name="connsiteY0" fmla="*/ 0 h 3752196"/>
+              <a:gd name="connsiteX1" fmla="*/ 1882392 w 9467224"/>
+              <a:gd name="connsiteY1" fmla="*/ 0 h 3752196"/>
+              <a:gd name="connsiteX2" fmla="*/ 1882392 w 9467224"/>
+              <a:gd name="connsiteY2" fmla="*/ 2007338 h 3752196"/>
+              <a:gd name="connsiteX3" fmla="*/ 3764784 w 9467224"/>
+              <a:gd name="connsiteY3" fmla="*/ 2007338 h 3752196"/>
+              <a:gd name="connsiteX4" fmla="*/ 3764784 w 9467224"/>
+              <a:gd name="connsiteY4" fmla="*/ 2513710 h 3752196"/>
+              <a:gd name="connsiteX5" fmla="*/ 7584832 w 9467224"/>
+              <a:gd name="connsiteY5" fmla="*/ 2513710 h 3752196"/>
+              <a:gd name="connsiteX6" fmla="*/ 7584832 w 9467224"/>
+              <a:gd name="connsiteY6" fmla="*/ 1456916 h 3752196"/>
+              <a:gd name="connsiteX7" fmla="*/ 9467224 w 9467224"/>
+              <a:gd name="connsiteY7" fmla="*/ 1456916 h 3752196"/>
+              <a:gd name="connsiteX8" fmla="*/ 9467224 w 9467224"/>
+              <a:gd name="connsiteY8" fmla="*/ 3752196 h 3752196"/>
+              <a:gd name="connsiteX9" fmla="*/ 7584832 w 9467224"/>
+              <a:gd name="connsiteY9" fmla="*/ 3752196 h 3752196"/>
+              <a:gd name="connsiteX10" fmla="*/ 7584832 w 9467224"/>
+              <a:gd name="connsiteY10" fmla="*/ 3752194 h 3752196"/>
+              <a:gd name="connsiteX11" fmla="*/ 3764784 w 9467224"/>
+              <a:gd name="connsiteY11" fmla="*/ 3752194 h 3752196"/>
+              <a:gd name="connsiteX12" fmla="*/ 3764784 w 9467224"/>
+              <a:gd name="connsiteY12" fmla="*/ 3752195 h 3752196"/>
+              <a:gd name="connsiteX13" fmla="*/ 1882392 w 9467224"/>
+              <a:gd name="connsiteY13" fmla="*/ 3752195 h 3752196"/>
+              <a:gd name="connsiteX14" fmla="*/ 1882392 w 9467224"/>
+              <a:gd name="connsiteY14" fmla="*/ 2295280 h 3752196"/>
+              <a:gd name="connsiteX15" fmla="*/ 0 w 9467224"/>
+              <a:gd name="connsiteY15" fmla="*/ 2295280 h 3752196"/>
+            </a:gdLst>
+            <a:ahLst/>
+            <a:cxnLst>
+              <a:cxn ang="0">
+                <a:pos x="connsiteX0" y="connsiteY0"/>
+              </a:cxn>
+              <a:cxn ang="0">
+                <a:pos x="connsiteX1" y="connsiteY1"/>
+              </a:cxn>
+              <a:cxn ang="0">
+                <a:pos x="connsiteX2" y="connsiteY2"/>
+              </a:cxn>
+              <a:cxn ang="0">
+                <a:pos x="connsiteX3" y="connsiteY3"/>
+              </a:cxn>
+              <a:cxn ang="0">
+                <a:pos x="connsiteX4" y="connsiteY4"/>
+              </a:cxn>
+              <a:cxn ang="0">
+                <a:pos x="connsiteX5" y="connsiteY5"/>
+              </a:cxn>
+              <a:cxn ang="0">
+                <a:pos x="connsiteX6" y="connsiteY6"/>
+              </a:cxn>
+              <a:cxn ang="0">
+                <a:pos x="connsiteX7" y="connsiteY7"/>
+              </a:cxn>
+              <a:cxn ang="0">
+                <a:pos x="connsiteX8" y="connsiteY8"/>
+              </a:cxn>
+              <a:cxn ang="0">
+                <a:pos x="connsiteX9" y="connsiteY9"/>
+              </a:cxn>
+              <a:cxn ang="0">
+                <a:pos x="connsiteX10" y="connsiteY10"/>
+              </a:cxn>
+              <a:cxn ang="0">
+                <a:pos x="connsiteX11" y="connsiteY11"/>
+              </a:cxn>
+              <a:cxn ang="0">
+                <a:pos x="connsiteX12" y="connsiteY12"/>
+              </a:cxn>
+              <a:cxn ang="0">
+                <a:pos x="connsiteX13" y="connsiteY13"/>
+              </a:cxn>
+              <a:cxn ang="0">
+                <a:pos x="connsiteX14" y="connsiteY14"/>
+              </a:cxn>
+              <a:cxn ang="0">
+                <a:pos x="connsiteX15" y="connsiteY15"/>
+              </a:cxn>
+            </a:cxnLst>
+            <a:rect l="l" t="t" r="r" b="b"/>
+            <a:pathLst>
+              <a:path w="9467224" h="3752196">
+                <a:moveTo>
+                  <a:pt x="0" y="0"/>
+                </a:moveTo>
+                <a:lnTo>
+                  <a:pt x="1882392" y="0"/>
+                </a:lnTo>
+                <a:lnTo>
+                  <a:pt x="1882392" y="2007338"/>
+                </a:lnTo>
+                <a:lnTo>
+                  <a:pt x="3764784" y="2007338"/>
+                </a:lnTo>
+                <a:lnTo>
+                  <a:pt x="3764784" y="2513710"/>
+                </a:lnTo>
+                <a:lnTo>
+                  <a:pt x="7584832" y="2513710"/>
+                </a:lnTo>
+                <a:lnTo>
+                  <a:pt x="7584832" y="1456916"/>
+                </a:lnTo>
+                <a:lnTo>
+                  <a:pt x="9467224" y="1456916"/>
+                </a:lnTo>
+                <a:lnTo>
+                  <a:pt x="9467224" y="3752196"/>
+                </a:lnTo>
+                <a:lnTo>
+                  <a:pt x="7584832" y="3752196"/>
+                </a:lnTo>
+                <a:lnTo>
+                  <a:pt x="7584832" y="3752194"/>
+                </a:lnTo>
+                <a:lnTo>
+                  <a:pt x="3764784" y="3752194"/>
+                </a:lnTo>
+                <a:lnTo>
+                  <a:pt x="3764784" y="3752195"/>
+                </a:lnTo>
+                <a:lnTo>
+                  <a:pt x="1882392" y="3752195"/>
+                </a:lnTo>
+                <a:lnTo>
+                  <a:pt x="1882392" y="2295280"/>
+                </a:lnTo>
+                <a:lnTo>
+                  <a:pt x="0" y="2295280"/>
+                </a:lnTo>
+                <a:close/>
+              </a:path>
+            </a:pathLst>
+          </a:custGeom>
+          <a:solidFill>
+            <a:schemeClr val="accent1"/>
+          </a:solidFill>
+          <a:ln w="28575">
+            <a:solidFill>
+              <a:schemeClr val="tx2">
+                <a:lumMod val="75000"/>
+              </a:schemeClr>
+            </a:solidFill>
+          </a:ln>
+        </p:spPr>
+        <p:style>
+          <a:lnRef idx="2">
+            <a:schemeClr val="accent1">
+              <a:shade val="50000"/>
+            </a:schemeClr>
+          </a:lnRef>
+          <a:fillRef idx="1">
+            <a:schemeClr val="accent1"/>
+          </a:fillRef>
+          <a:effectRef idx="0">
+            <a:schemeClr val="accent1"/>
+          </a:effectRef>
+          <a:fontRef idx="minor">
+            <a:schemeClr val="lt1"/>
+          </a:fontRef>
+        </p:style>
+        <p:txBody>
+          <a:bodyPr wrap="square" rtlCol="0" anchor="ctr">
+            <a:noAutofit/>
+          </a:bodyPr>
+          <a:lstStyle/>
+          <a:p>
+            <a:pPr algn="ctr"/>
+            <a:endParaRPr lang="ko-KR" altLang="en-US"/>
+          </a:p>
+        </p:txBody>
+      </p:sp>
+      <p:sp>
+        <p:nvSpPr>
+          <p:cNvPr id="49" name="직사각형 48">
+            <a:extLst>
+              <a:ext uri="{FF2B5EF4-FFF2-40B4-BE49-F238E27FC236}">
+                <a16:creationId xmlns:a16="http://schemas.microsoft.com/office/drawing/2014/main" id="{FCCF58A5-0690-4897-AFA8-46295A8CB9A8}"/>
+              </a:ext>
+            </a:extLst>
+          </p:cNvPr>
+          <p:cNvSpPr/>
+          <p:nvPr/>
+        </p:nvSpPr>
+        <p:spPr>
+          <a:xfrm>
+            <a:off x="1767175" y="4229501"/>
+            <a:ext cx="263244" cy="720583"/>
+          </a:xfrm>
+          <a:prstGeom prst="rect">
+            <a:avLst/>
+          </a:prstGeom>
+          <a:solidFill>
+            <a:schemeClr val="accent4">
+              <a:lumMod val="20000"/>
+              <a:lumOff val="80000"/>
+            </a:schemeClr>
+          </a:solidFill>
+          <a:ln w="28575">
+            <a:solidFill>
+              <a:schemeClr val="tx2">
+                <a:lumMod val="75000"/>
+              </a:schemeClr>
+            </a:solidFill>
+          </a:ln>
+        </p:spPr>
+        <p:style>
+          <a:lnRef idx="2">
+            <a:schemeClr val="accent1">
+              <a:shade val="50000"/>
+            </a:schemeClr>
+          </a:lnRef>
+          <a:fillRef idx="1">
+            <a:schemeClr val="accent1"/>
+          </a:fillRef>
+          <a:effectRef idx="0">
+            <a:schemeClr val="accent1"/>
+          </a:effectRef>
+          <a:fontRef idx="minor">
+            <a:schemeClr val="lt1"/>
+          </a:fontRef>
+        </p:style>
+        <p:txBody>
+          <a:bodyPr rtlCol="0" anchor="ctr"/>
+          <a:lstStyle/>
+          <a:p>
+            <a:pPr algn="ctr"/>
+            <a:endParaRPr lang="ko-KR" altLang="en-US"/>
+          </a:p>
+        </p:txBody>
+      </p:sp>
+      <p:sp>
+        <p:nvSpPr>
+          <p:cNvPr id="50" name="직사각형 49">
+            <a:extLst>
+              <a:ext uri="{FF2B5EF4-FFF2-40B4-BE49-F238E27FC236}">
+                <a16:creationId xmlns:a16="http://schemas.microsoft.com/office/drawing/2014/main" id="{6496AECD-B762-4084-B6B0-867379851070}"/>
+              </a:ext>
+            </a:extLst>
+          </p:cNvPr>
+          <p:cNvSpPr/>
+          <p:nvPr/>
+        </p:nvSpPr>
+        <p:spPr>
+          <a:xfrm>
+            <a:off x="9868415" y="2935312"/>
+            <a:ext cx="1335610" cy="234503"/>
+          </a:xfrm>
+          <a:prstGeom prst="rect">
+            <a:avLst/>
+          </a:prstGeom>
+          <a:noFill/>
+          <a:ln w="28575">
+            <a:solidFill>
+              <a:schemeClr val="tx2">
+                <a:lumMod val="75000"/>
+              </a:schemeClr>
+            </a:solidFill>
+          </a:ln>
+        </p:spPr>
+        <p:style>
+          <a:lnRef idx="2">
+            <a:schemeClr val="accent1">
+              <a:shade val="50000"/>
+            </a:schemeClr>
+          </a:lnRef>
+          <a:fillRef idx="1">
+            <a:schemeClr val="accent1"/>
+          </a:fillRef>
+          <a:effectRef idx="0">
+            <a:schemeClr val="accent1"/>
+          </a:effectRef>
+          <a:fontRef idx="minor">
+            <a:schemeClr val="lt1"/>
+          </a:fontRef>
+        </p:style>
+        <p:txBody>
+          <a:bodyPr rtlCol="0" anchor="ctr"/>
+          <a:lstStyle/>
+          <a:p>
+            <a:pPr algn="ctr"/>
+            <a:endParaRPr lang="ko-KR" altLang="en-US"/>
+          </a:p>
+        </p:txBody>
+      </p:sp>
+      <p:sp>
+        <p:nvSpPr>
+          <p:cNvPr id="51" name="직사각형 50">
+            <a:extLst>
+              <a:ext uri="{FF2B5EF4-FFF2-40B4-BE49-F238E27FC236}">
+                <a16:creationId xmlns:a16="http://schemas.microsoft.com/office/drawing/2014/main" id="{FE2AADA7-AF29-4496-A166-76E37D7A2EFD}"/>
+              </a:ext>
+            </a:extLst>
+          </p:cNvPr>
+          <p:cNvSpPr/>
+          <p:nvPr/>
+        </p:nvSpPr>
+        <p:spPr>
+          <a:xfrm>
+            <a:off x="8952752" y="4648725"/>
+            <a:ext cx="522554" cy="493252"/>
+          </a:xfrm>
+          <a:prstGeom prst="rect">
+            <a:avLst/>
+          </a:prstGeom>
+          <a:solidFill>
+            <a:schemeClr val="accent4">
+              <a:lumMod val="20000"/>
+              <a:lumOff val="80000"/>
+            </a:schemeClr>
+          </a:solidFill>
+          <a:ln w="28575">
+            <a:solidFill>
+              <a:schemeClr val="tx2">
+                <a:lumMod val="75000"/>
+              </a:schemeClr>
+            </a:solidFill>
+          </a:ln>
+        </p:spPr>
+        <p:style>
+          <a:lnRef idx="2">
+            <a:schemeClr val="accent1">
+              <a:shade val="50000"/>
+            </a:schemeClr>
+          </a:lnRef>
+          <a:fillRef idx="1">
+            <a:schemeClr val="accent1"/>
+          </a:fillRef>
+          <a:effectRef idx="0">
+            <a:schemeClr val="accent1"/>
+          </a:effectRef>
+          <a:fontRef idx="minor">
+            <a:schemeClr val="lt1"/>
+          </a:fontRef>
+        </p:style>
+        <p:txBody>
+          <a:bodyPr rtlCol="0" anchor="ctr"/>
+          <a:lstStyle/>
+          <a:p>
+            <a:pPr algn="ctr"/>
+            <a:endParaRPr lang="ko-KR" altLang="en-US"/>
+          </a:p>
+        </p:txBody>
+      </p:sp>
+      <p:sp>
+        <p:nvSpPr>
+          <p:cNvPr id="52" name="직사각형 51">
+            <a:extLst>
+              <a:ext uri="{FF2B5EF4-FFF2-40B4-BE49-F238E27FC236}">
+                <a16:creationId xmlns:a16="http://schemas.microsoft.com/office/drawing/2014/main" id="{AF3F4397-BCB9-417E-84D2-2A0615E5711C}"/>
+              </a:ext>
+            </a:extLst>
+          </p:cNvPr>
+          <p:cNvSpPr/>
+          <p:nvPr/>
+        </p:nvSpPr>
+        <p:spPr>
+          <a:xfrm>
+            <a:off x="6632408" y="3943082"/>
+            <a:ext cx="1335610" cy="234503"/>
+          </a:xfrm>
+          <a:prstGeom prst="rect">
+            <a:avLst/>
+          </a:prstGeom>
+          <a:noFill/>
+          <a:ln w="28575">
+            <a:solidFill>
+              <a:schemeClr val="tx2">
+                <a:lumMod val="75000"/>
+              </a:schemeClr>
+            </a:solidFill>
+          </a:ln>
+        </p:spPr>
+        <p:style>
+          <a:lnRef idx="2">
+            <a:schemeClr val="accent1">
+              <a:shade val="50000"/>
+            </a:schemeClr>
+          </a:lnRef>
+          <a:fillRef idx="1">
+            <a:schemeClr val="accent1"/>
+          </a:fillRef>
+          <a:effectRef idx="0">
+            <a:schemeClr val="accent1"/>
+          </a:effectRef>
+          <a:fontRef idx="minor">
+            <a:schemeClr val="lt1"/>
+          </a:fontRef>
+        </p:style>
+        <p:txBody>
+          <a:bodyPr rtlCol="0" anchor="ctr"/>
+          <a:lstStyle/>
+          <a:p>
+            <a:pPr algn="ctr"/>
+            <a:endParaRPr lang="ko-KR" altLang="en-US"/>
+          </a:p>
+        </p:txBody>
+      </p:sp>
+      <p:sp>
+        <p:nvSpPr>
+          <p:cNvPr id="53" name="직사각형 52">
+            <a:extLst>
+              <a:ext uri="{FF2B5EF4-FFF2-40B4-BE49-F238E27FC236}">
+                <a16:creationId xmlns:a16="http://schemas.microsoft.com/office/drawing/2014/main" id="{F426C637-018D-40BE-AA32-82145EB20B85}"/>
+              </a:ext>
+            </a:extLst>
+          </p:cNvPr>
+          <p:cNvSpPr/>
+          <p:nvPr/>
+        </p:nvSpPr>
+        <p:spPr>
+          <a:xfrm>
+            <a:off x="10823538" y="5800208"/>
+            <a:ext cx="467862" cy="467862"/>
+          </a:xfrm>
+          <a:prstGeom prst="rect">
+            <a:avLst/>
+          </a:prstGeom>
+          <a:solidFill>
+            <a:schemeClr val="accent4">
+              <a:lumMod val="20000"/>
+              <a:lumOff val="80000"/>
+            </a:schemeClr>
+          </a:solidFill>
+          <a:ln w="28575">
+            <a:solidFill>
+              <a:schemeClr val="tx2">
+                <a:lumMod val="75000"/>
+              </a:schemeClr>
+            </a:solidFill>
+          </a:ln>
+        </p:spPr>
+        <p:style>
+          <a:lnRef idx="2">
+            <a:schemeClr val="accent1">
+              <a:shade val="50000"/>
+            </a:schemeClr>
+          </a:lnRef>
+          <a:fillRef idx="1">
+            <a:schemeClr val="accent1"/>
+          </a:fillRef>
+          <a:effectRef idx="0">
+            <a:schemeClr val="accent1"/>
+          </a:effectRef>
+          <a:fontRef idx="minor">
+            <a:schemeClr val="lt1"/>
+          </a:fontRef>
+        </p:style>
+        <p:txBody>
+          <a:bodyPr rtlCol="0" anchor="ctr"/>
+          <a:lstStyle/>
+          <a:p>
+            <a:pPr algn="ctr"/>
+            <a:endParaRPr lang="ko-KR" altLang="en-US"/>
+          </a:p>
+        </p:txBody>
+      </p:sp>
+      <p:sp>
+        <p:nvSpPr>
+          <p:cNvPr id="54" name="직사각형 53">
+            <a:extLst>
+              <a:ext uri="{FF2B5EF4-FFF2-40B4-BE49-F238E27FC236}">
+                <a16:creationId xmlns:a16="http://schemas.microsoft.com/office/drawing/2014/main" id="{A272E259-8682-4C8E-B03D-3CC648416D00}"/>
+              </a:ext>
+            </a:extLst>
+          </p:cNvPr>
+          <p:cNvSpPr/>
+          <p:nvPr/>
+        </p:nvSpPr>
+        <p:spPr>
+          <a:xfrm>
+            <a:off x="11369572" y="1968372"/>
+            <a:ext cx="359185" cy="2132530"/>
+          </a:xfrm>
+          <a:prstGeom prst="rect">
+            <a:avLst/>
+          </a:prstGeom>
+          <a:solidFill>
+            <a:schemeClr val="accent4">
+              <a:lumMod val="20000"/>
+              <a:lumOff val="80000"/>
+            </a:schemeClr>
+          </a:solidFill>
+          <a:ln w="28575">
+            <a:solidFill>
+              <a:schemeClr val="tx2">
+                <a:lumMod val="75000"/>
+              </a:schemeClr>
+            </a:solidFill>
+          </a:ln>
+        </p:spPr>
+        <p:style>
+          <a:lnRef idx="2">
+            <a:schemeClr val="accent1">
+              <a:shade val="50000"/>
+            </a:schemeClr>
+          </a:lnRef>
+          <a:fillRef idx="1">
+            <a:schemeClr val="accent1"/>
+          </a:fillRef>
+          <a:effectRef idx="0">
+            <a:schemeClr val="accent1"/>
+          </a:effectRef>
+          <a:fontRef idx="minor">
+            <a:schemeClr val="lt1"/>
+          </a:fontRef>
+        </p:style>
+        <p:txBody>
+          <a:bodyPr rtlCol="0" anchor="ctr"/>
+          <a:lstStyle/>
+          <a:p>
+            <a:pPr algn="ctr"/>
+            <a:endParaRPr lang="ko-KR" altLang="en-US"/>
+          </a:p>
+        </p:txBody>
+      </p:sp>
+      <p:sp>
+        <p:nvSpPr>
+          <p:cNvPr id="58" name="자유형: 도형 57">
+            <a:extLst>
+              <a:ext uri="{FF2B5EF4-FFF2-40B4-BE49-F238E27FC236}">
+                <a16:creationId xmlns:a16="http://schemas.microsoft.com/office/drawing/2014/main" id="{967201FE-7CC2-4837-9334-D2E84D2BD195}"/>
+              </a:ext>
+            </a:extLst>
+          </p:cNvPr>
+          <p:cNvSpPr/>
+          <p:nvPr/>
+        </p:nvSpPr>
+        <p:spPr>
+          <a:xfrm>
+            <a:off x="11366019" y="1961589"/>
+            <a:ext cx="1811571" cy="4431993"/>
+          </a:xfrm>
+          <a:custGeom>
+            <a:avLst/>
+            <a:gdLst>
+              <a:gd name="connsiteX0" fmla="*/ 362738 w 1811571"/>
+              <a:gd name="connsiteY0" fmla="*/ 0 h 4431993"/>
+              <a:gd name="connsiteX1" fmla="*/ 1811571 w 1811571"/>
+              <a:gd name="connsiteY1" fmla="*/ 0 h 4431993"/>
+              <a:gd name="connsiteX2" fmla="*/ 1811571 w 1811571"/>
+              <a:gd name="connsiteY2" fmla="*/ 2309083 h 4431993"/>
+              <a:gd name="connsiteX3" fmla="*/ 1448833 w 1811571"/>
+              <a:gd name="connsiteY3" fmla="*/ 2309083 h 4431993"/>
+              <a:gd name="connsiteX4" fmla="*/ 1448833 w 1811571"/>
+              <a:gd name="connsiteY4" fmla="*/ 4431993 h 4431993"/>
+              <a:gd name="connsiteX5" fmla="*/ 0 w 1811571"/>
+              <a:gd name="connsiteY5" fmla="*/ 4431993 h 4431993"/>
+              <a:gd name="connsiteX6" fmla="*/ 0 w 1811571"/>
+              <a:gd name="connsiteY6" fmla="*/ 2122910 h 4431993"/>
+              <a:gd name="connsiteX7" fmla="*/ 362738 w 1811571"/>
+              <a:gd name="connsiteY7" fmla="*/ 2122910 h 4431993"/>
+            </a:gdLst>
+            <a:ahLst/>
+            <a:cxnLst>
+              <a:cxn ang="0">
+                <a:pos x="connsiteX0" y="connsiteY0"/>
+              </a:cxn>
+              <a:cxn ang="0">
+                <a:pos x="connsiteX1" y="connsiteY1"/>
+              </a:cxn>
+              <a:cxn ang="0">
+                <a:pos x="connsiteX2" y="connsiteY2"/>
+              </a:cxn>
+              <a:cxn ang="0">
+                <a:pos x="connsiteX3" y="connsiteY3"/>
+              </a:cxn>
+              <a:cxn ang="0">
+                <a:pos x="connsiteX4" y="connsiteY4"/>
+              </a:cxn>
+              <a:cxn ang="0">
+                <a:pos x="connsiteX5" y="connsiteY5"/>
+              </a:cxn>
+              <a:cxn ang="0">
+                <a:pos x="connsiteX6" y="connsiteY6"/>
+              </a:cxn>
+              <a:cxn ang="0">
+                <a:pos x="connsiteX7" y="connsiteY7"/>
+              </a:cxn>
+            </a:cxnLst>
+            <a:rect l="l" t="t" r="r" b="b"/>
+            <a:pathLst>
+              <a:path w="1811571" h="4431993">
+                <a:moveTo>
+                  <a:pt x="362738" y="0"/>
+                </a:moveTo>
+                <a:lnTo>
+                  <a:pt x="1811571" y="0"/>
+                </a:lnTo>
+                <a:lnTo>
+                  <a:pt x="1811571" y="2309083"/>
+                </a:lnTo>
+                <a:lnTo>
+                  <a:pt x="1448833" y="2309083"/>
+                </a:lnTo>
+                <a:lnTo>
+                  <a:pt x="1448833" y="4431993"/>
+                </a:lnTo>
+                <a:lnTo>
+                  <a:pt x="0" y="4431993"/>
+                </a:lnTo>
+                <a:lnTo>
+                  <a:pt x="0" y="2122910"/>
+                </a:lnTo>
+                <a:lnTo>
+                  <a:pt x="362738" y="2122910"/>
+                </a:lnTo>
+                <a:close/>
+              </a:path>
+            </a:pathLst>
+          </a:custGeom>
+          <a:solidFill>
+            <a:schemeClr val="tx1">
+              <a:lumMod val="50000"/>
+              <a:lumOff val="50000"/>
+            </a:schemeClr>
+          </a:solidFill>
+          <a:ln w="28575">
+            <a:solidFill>
+              <a:schemeClr val="tx2">
+                <a:lumMod val="75000"/>
+              </a:schemeClr>
+            </a:solidFill>
+          </a:ln>
+        </p:spPr>
+        <p:style>
+          <a:lnRef idx="2">
+            <a:schemeClr val="accent1">
+              <a:shade val="50000"/>
+            </a:schemeClr>
+          </a:lnRef>
+          <a:fillRef idx="1">
+            <a:schemeClr val="accent1"/>
+          </a:fillRef>
+          <a:effectRef idx="0">
+            <a:schemeClr val="accent1"/>
+          </a:effectRef>
+          <a:fontRef idx="minor">
+            <a:schemeClr val="lt1"/>
+          </a:fontRef>
+        </p:style>
+        <p:txBody>
+          <a:bodyPr wrap="square" rtlCol="0" anchor="ctr">
+            <a:noAutofit/>
+          </a:bodyPr>
+          <a:lstStyle/>
+          <a:p>
+            <a:pPr algn="ctr"/>
+            <a:endParaRPr lang="ko-KR" altLang="en-US"/>
+          </a:p>
+        </p:txBody>
+      </p:sp>
     </p:spTree>
     <p:extLst>
       <p:ext uri="{BB962C8B-B14F-4D97-AF65-F5344CB8AC3E}">
-        <p14:creationId xmlns:p14="http://schemas.microsoft.com/office/powerpoint/2010/main" val="620891507"/>
+        <p14:creationId xmlns:p14="http://schemas.microsoft.com/office/powerpoint/2010/main" val="3005644429"/>
       </p:ext>
     </p:extLst>
   </p:cSld>
@@ -3725,7 +5117,7 @@
         </p:nvSpPr>
         <p:spPr>
           <a:xfrm>
-            <a:off x="234950" y="2361987"/>
+            <a:off x="234950" y="2894895"/>
             <a:ext cx="11722100" cy="2999658"/>
           </a:xfrm>
           <a:prstGeom prst="rect">
@@ -3781,7 +5173,7 @@
         </p:nvSpPr>
         <p:spPr>
           <a:xfrm>
-            <a:off x="583996" y="5096174"/>
+            <a:off x="583996" y="5629082"/>
             <a:ext cx="1061884" cy="45719"/>
           </a:xfrm>
           <a:prstGeom prst="rect">
@@ -3837,7 +5229,7 @@
         </p:nvSpPr>
         <p:spPr>
           <a:xfrm>
-            <a:off x="1645879" y="3797087"/>
+            <a:off x="1645879" y="4329995"/>
             <a:ext cx="2147119" cy="1344806"/>
           </a:xfrm>
           <a:prstGeom prst="rect">
@@ -3893,7 +5285,7 @@
         </p:nvSpPr>
         <p:spPr>
           <a:xfrm>
-            <a:off x="636252" y="4840770"/>
+            <a:off x="636252" y="5373678"/>
             <a:ext cx="259529" cy="259529"/>
           </a:xfrm>
           <a:prstGeom prst="rect">
@@ -4303,7 +5695,7 @@
         </p:nvSpPr>
         <p:spPr>
           <a:xfrm>
-            <a:off x="3792589" y="3797087"/>
+            <a:off x="3792589" y="4329995"/>
             <a:ext cx="2147118" cy="1344806"/>
           </a:xfrm>
           <a:prstGeom prst="rect">
@@ -4359,7 +5751,7 @@
         </p:nvSpPr>
         <p:spPr>
           <a:xfrm>
-            <a:off x="583996" y="2857287"/>
+            <a:off x="583996" y="3390195"/>
             <a:ext cx="5355712" cy="2284606"/>
           </a:xfrm>
           <a:custGeom>
@@ -4490,7 +5882,7 @@
         </p:nvSpPr>
         <p:spPr>
           <a:xfrm>
-            <a:off x="5939707" y="4635292"/>
+            <a:off x="5939707" y="5168200"/>
             <a:ext cx="5845893" cy="506602"/>
           </a:xfrm>
           <a:prstGeom prst="rect">
@@ -4544,7 +5936,7 @@
         </p:nvSpPr>
         <p:spPr>
           <a:xfrm>
-            <a:off x="3904943" y="4816757"/>
+            <a:off x="3904943" y="5349665"/>
             <a:ext cx="259529" cy="259529"/>
           </a:xfrm>
           <a:prstGeom prst="rect">
@@ -4603,7 +5995,7 @@
         </p:nvSpPr>
         <p:spPr>
           <a:xfrm>
-            <a:off x="5939705" y="4635292"/>
+            <a:off x="5939705" y="5168200"/>
             <a:ext cx="259529" cy="506601"/>
           </a:xfrm>
           <a:prstGeom prst="rect">
@@ -4664,7 +6056,7 @@
         </p:nvCxnSpPr>
         <p:spPr>
           <a:xfrm flipV="1">
-            <a:off x="869950" y="3270121"/>
+            <a:off x="869950" y="3803029"/>
             <a:ext cx="3034993" cy="1365171"/>
           </a:xfrm>
           <a:prstGeom prst="bentConnector3">
@@ -4710,7 +6102,7 @@
         </p:nvCxnSpPr>
         <p:spPr>
           <a:xfrm>
-            <a:off x="4016888" y="3265503"/>
+            <a:off x="4016888" y="3798411"/>
             <a:ext cx="2491862" cy="1623089"/>
           </a:xfrm>
           <a:prstGeom prst="bentConnector3">
@@ -4754,7 +6146,7 @@
         </p:nvSpPr>
         <p:spPr>
           <a:xfrm>
-            <a:off x="6940468" y="4354665"/>
+            <a:off x="6940468" y="4887573"/>
             <a:ext cx="530635" cy="530635"/>
           </a:xfrm>
           <a:prstGeom prst="ellipse">
@@ -4810,7 +6202,7 @@
         </p:nvSpPr>
         <p:spPr>
           <a:xfrm>
-            <a:off x="7731888" y="4876575"/>
+            <a:off x="7731888" y="5409483"/>
             <a:ext cx="530635" cy="530635"/>
           </a:xfrm>
           <a:prstGeom prst="ellipse">
@@ -4866,7 +6258,7 @@
         </p:nvSpPr>
         <p:spPr>
           <a:xfrm>
-            <a:off x="8470390" y="4363390"/>
+            <a:off x="8470390" y="4896298"/>
             <a:ext cx="884286" cy="542215"/>
           </a:xfrm>
           <a:custGeom>
@@ -5055,7 +6447,7 @@
         </p:nvSpPr>
         <p:spPr>
           <a:xfrm>
-            <a:off x="9533949" y="4885300"/>
+            <a:off x="9533949" y="5418208"/>
             <a:ext cx="884286" cy="542215"/>
           </a:xfrm>
           <a:custGeom>
@@ -5244,7 +6636,7 @@
         </p:nvSpPr>
         <p:spPr>
           <a:xfrm>
-            <a:off x="10537259" y="4502222"/>
+            <a:off x="10537259" y="5035130"/>
             <a:ext cx="530635" cy="264549"/>
           </a:xfrm>
           <a:prstGeom prst="rect">
@@ -5300,7 +6692,7 @@
         </p:nvSpPr>
         <p:spPr>
           <a:xfrm>
-            <a:off x="11265031" y="5034118"/>
+            <a:off x="11265031" y="5567026"/>
             <a:ext cx="530635" cy="264549"/>
           </a:xfrm>
           <a:prstGeom prst="rect">
@@ -5356,7 +6748,7 @@
         </p:nvSpPr>
         <p:spPr>
           <a:xfrm>
-            <a:off x="1650887" y="4762317"/>
+            <a:off x="1650887" y="5295225"/>
             <a:ext cx="80042" cy="362530"/>
           </a:xfrm>
           <a:prstGeom prst="rect">
@@ -5404,7 +6796,7 @@
     </p:spTree>
     <p:extLst>
       <p:ext uri="{BB962C8B-B14F-4D97-AF65-F5344CB8AC3E}">
-        <p14:creationId xmlns:p14="http://schemas.microsoft.com/office/powerpoint/2010/main" val="452574146"/>
+        <p14:creationId xmlns:p14="http://schemas.microsoft.com/office/powerpoint/2010/main" val="2807490896"/>
       </p:ext>
     </p:extLst>
   </p:cSld>

--- a/개인작업폴더/김나연/물행성.pptx
+++ b/개인작업폴더/김나연/물행성.pptx
@@ -6,8 +6,11 @@
   </p:sldMasterIdLst>
   <p:sldIdLst>
     <p:sldId id="257" r:id="rId2"/>
-    <p:sldId id="260" r:id="rId3"/>
-    <p:sldId id="259" r:id="rId4"/>
+    <p:sldId id="263" r:id="rId3"/>
+    <p:sldId id="260" r:id="rId4"/>
+    <p:sldId id="261" r:id="rId5"/>
+    <p:sldId id="259" r:id="rId6"/>
+    <p:sldId id="262" r:id="rId7"/>
   </p:sldIdLst>
   <p:sldSz cx="12192000" cy="6858000"/>
   <p:notesSz cx="6858000" cy="9144000"/>
@@ -3505,84 +3508,6 @@
       </p:sp>
       <p:sp>
         <p:nvSpPr>
-          <p:cNvPr id="9" name="TextBox 8">
-            <a:extLst>
-              <a:ext uri="{FF2B5EF4-FFF2-40B4-BE49-F238E27FC236}">
-                <a16:creationId xmlns:a16="http://schemas.microsoft.com/office/drawing/2014/main" id="{E697F0B5-F72E-462E-9B15-D0B0A34B4C2F}"/>
-              </a:ext>
-            </a:extLst>
-          </p:cNvPr>
-          <p:cNvSpPr txBox="1"/>
-          <p:nvPr/>
-        </p:nvSpPr>
-        <p:spPr>
-          <a:xfrm>
-            <a:off x="2232046" y="4959268"/>
-            <a:ext cx="1217000" cy="461665"/>
-          </a:xfrm>
-          <a:prstGeom prst="rect">
-            <a:avLst/>
-          </a:prstGeom>
-          <a:noFill/>
-        </p:spPr>
-        <p:txBody>
-          <a:bodyPr wrap="none" rtlCol="0">
-            <a:spAutoFit/>
-          </a:bodyPr>
-          <a:lstStyle/>
-          <a:p>
-            <a:r>
-              <a:rPr lang="ko-KR" altLang="en-US" sz="2400" b="1" dirty="0"/>
-              <a:t>물 벌레</a:t>
-            </a:r>
-          </a:p>
-        </p:txBody>
-      </p:sp>
-      <p:sp>
-        <p:nvSpPr>
-          <p:cNvPr id="10" name="TextBox 9">
-            <a:extLst>
-              <a:ext uri="{FF2B5EF4-FFF2-40B4-BE49-F238E27FC236}">
-                <a16:creationId xmlns:a16="http://schemas.microsoft.com/office/drawing/2014/main" id="{8E4C8308-16FF-48F1-86E4-6490DB5011FF}"/>
-              </a:ext>
-            </a:extLst>
-          </p:cNvPr>
-          <p:cNvSpPr txBox="1"/>
-          <p:nvPr/>
-        </p:nvSpPr>
-        <p:spPr>
-          <a:xfrm>
-            <a:off x="2840546" y="5512477"/>
-            <a:ext cx="4919937" cy="338554"/>
-          </a:xfrm>
-          <a:prstGeom prst="rect">
-            <a:avLst/>
-          </a:prstGeom>
-          <a:noFill/>
-        </p:spPr>
-        <p:txBody>
-          <a:bodyPr wrap="none" rtlCol="0">
-            <a:spAutoFit/>
-          </a:bodyPr>
-          <a:lstStyle/>
-          <a:p>
-            <a:r>
-              <a:rPr lang="ko-KR" altLang="en-US" sz="1600" b="1" dirty="0"/>
-              <a:t>물에서 튀어 나오는 몬스터</a:t>
-            </a:r>
-            <a:r>
-              <a:rPr lang="en-US" altLang="ko-KR" sz="1600" b="1" dirty="0"/>
-              <a:t>,  </a:t>
-            </a:r>
-            <a:r>
-              <a:rPr lang="ko-KR" altLang="en-US" sz="1600" b="1" dirty="0"/>
-              <a:t>물 폭탄을 날리기도 함</a:t>
-            </a:r>
-          </a:p>
-        </p:txBody>
-      </p:sp>
-      <p:sp>
-        <p:nvSpPr>
           <p:cNvPr id="11" name="TextBox 10">
             <a:extLst>
               <a:ext uri="{FF2B5EF4-FFF2-40B4-BE49-F238E27FC236}">
@@ -3648,6 +3573,86 @@
               <a:rPr lang="ko-KR" altLang="en-US" sz="1600" b="1" dirty="0"/>
               <a:t>한 구간이 물로 전부 채워지거나 산소 게이지가 다 닳기 전에 빠져 나가는 공간</a:t>
             </a:r>
+          </a:p>
+        </p:txBody>
+      </p:sp>
+      <p:sp>
+        <p:nvSpPr>
+          <p:cNvPr id="13" name="TextBox 12">
+            <a:extLst>
+              <a:ext uri="{FF2B5EF4-FFF2-40B4-BE49-F238E27FC236}">
+                <a16:creationId xmlns:a16="http://schemas.microsoft.com/office/drawing/2014/main" id="{A2AA488D-0F35-40D5-B997-1C8154FEE1E9}"/>
+              </a:ext>
+            </a:extLst>
+          </p:cNvPr>
+          <p:cNvSpPr txBox="1"/>
+          <p:nvPr/>
+        </p:nvSpPr>
+        <p:spPr>
+          <a:xfrm>
+            <a:off x="2232046" y="5082379"/>
+            <a:ext cx="2031325" cy="461665"/>
+          </a:xfrm>
+          <a:prstGeom prst="rect">
+            <a:avLst/>
+          </a:prstGeom>
+          <a:noFill/>
+        </p:spPr>
+        <p:txBody>
+          <a:bodyPr wrap="none" rtlCol="0">
+            <a:spAutoFit/>
+          </a:bodyPr>
+          <a:lstStyle/>
+          <a:p>
+            <a:r>
+              <a:rPr lang="ko-KR" altLang="en-US" sz="2400" b="1" dirty="0"/>
+              <a:t>오염된 물 길</a:t>
+            </a:r>
+            <a:r>
+              <a:rPr lang="en-US" altLang="ko-KR" sz="2400" b="1" dirty="0"/>
+              <a:t>	</a:t>
+            </a:r>
+            <a:endParaRPr lang="ko-KR" altLang="en-US" sz="2400" b="1" dirty="0"/>
+          </a:p>
+        </p:txBody>
+      </p:sp>
+      <p:sp>
+        <p:nvSpPr>
+          <p:cNvPr id="14" name="TextBox 13">
+            <a:extLst>
+              <a:ext uri="{FF2B5EF4-FFF2-40B4-BE49-F238E27FC236}">
+                <a16:creationId xmlns:a16="http://schemas.microsoft.com/office/drawing/2014/main" id="{96BEC789-FCDC-49B5-8697-0518C177CEA9}"/>
+              </a:ext>
+            </a:extLst>
+          </p:cNvPr>
+          <p:cNvSpPr txBox="1"/>
+          <p:nvPr/>
+        </p:nvSpPr>
+        <p:spPr>
+          <a:xfrm>
+            <a:off x="2840546" y="5635588"/>
+            <a:ext cx="3623108" cy="338554"/>
+          </a:xfrm>
+          <a:prstGeom prst="rect">
+            <a:avLst/>
+          </a:prstGeom>
+          <a:noFill/>
+        </p:spPr>
+        <p:txBody>
+          <a:bodyPr wrap="none" rtlCol="0">
+            <a:spAutoFit/>
+          </a:bodyPr>
+          <a:lstStyle/>
+          <a:p>
+            <a:r>
+              <a:rPr lang="ko-KR" altLang="en-US" sz="1600" b="1" dirty="0"/>
+              <a:t>물이 전체가 오염되어 </a:t>
+            </a:r>
+            <a:r>
+              <a:rPr lang="ko-KR" altLang="en-US" sz="1600" b="1"/>
+              <a:t>빠지면 죽는 물</a:t>
+            </a:r>
+            <a:endParaRPr lang="ko-KR" altLang="en-US" sz="1600" b="1" dirty="0"/>
           </a:p>
         </p:txBody>
       </p:sp>
@@ -3683,6 +3688,173 @@
       </p:grpSpPr>
       <p:sp>
         <p:nvSpPr>
+          <p:cNvPr id="4" name="TextBox 3">
+            <a:extLst>
+              <a:ext uri="{FF2B5EF4-FFF2-40B4-BE49-F238E27FC236}">
+                <a16:creationId xmlns:a16="http://schemas.microsoft.com/office/drawing/2014/main" id="{A328B945-0899-4323-A8D7-2EFE4A0E1454}"/>
+              </a:ext>
+            </a:extLst>
+          </p:cNvPr>
+          <p:cNvSpPr txBox="1"/>
+          <p:nvPr/>
+        </p:nvSpPr>
+        <p:spPr>
+          <a:xfrm>
+            <a:off x="2232046" y="4959268"/>
+            <a:ext cx="1217000" cy="461665"/>
+          </a:xfrm>
+          <a:prstGeom prst="rect">
+            <a:avLst/>
+          </a:prstGeom>
+          <a:noFill/>
+        </p:spPr>
+        <p:txBody>
+          <a:bodyPr wrap="none" rtlCol="0">
+            <a:spAutoFit/>
+          </a:bodyPr>
+          <a:lstStyle/>
+          <a:p>
+            <a:r>
+              <a:rPr lang="ko-KR" altLang="en-US" sz="2400" b="1" dirty="0"/>
+              <a:t>물 벌레</a:t>
+            </a:r>
+          </a:p>
+        </p:txBody>
+      </p:sp>
+      <p:sp>
+        <p:nvSpPr>
+          <p:cNvPr id="5" name="TextBox 4">
+            <a:extLst>
+              <a:ext uri="{FF2B5EF4-FFF2-40B4-BE49-F238E27FC236}">
+                <a16:creationId xmlns:a16="http://schemas.microsoft.com/office/drawing/2014/main" id="{9538265F-37F3-42CA-B8D3-D6ED8718AA9A}"/>
+              </a:ext>
+            </a:extLst>
+          </p:cNvPr>
+          <p:cNvSpPr txBox="1"/>
+          <p:nvPr/>
+        </p:nvSpPr>
+        <p:spPr>
+          <a:xfrm>
+            <a:off x="2840546" y="5512477"/>
+            <a:ext cx="4919937" cy="338554"/>
+          </a:xfrm>
+          <a:prstGeom prst="rect">
+            <a:avLst/>
+          </a:prstGeom>
+          <a:noFill/>
+        </p:spPr>
+        <p:txBody>
+          <a:bodyPr wrap="none" rtlCol="0">
+            <a:spAutoFit/>
+          </a:bodyPr>
+          <a:lstStyle/>
+          <a:p>
+            <a:r>
+              <a:rPr lang="ko-KR" altLang="en-US" sz="1600" b="1" dirty="0"/>
+              <a:t>물에서 튀어 나오는 몬스터</a:t>
+            </a:r>
+            <a:r>
+              <a:rPr lang="en-US" altLang="ko-KR" sz="1600" b="1" dirty="0"/>
+              <a:t>,  </a:t>
+            </a:r>
+            <a:r>
+              <a:rPr lang="ko-KR" altLang="en-US" sz="1600" b="1" dirty="0"/>
+              <a:t>물 폭탄을 날리기도 함</a:t>
+            </a:r>
+          </a:p>
+        </p:txBody>
+      </p:sp>
+    </p:spTree>
+    <p:extLst>
+      <p:ext uri="{BB962C8B-B14F-4D97-AF65-F5344CB8AC3E}">
+        <p14:creationId xmlns:p14="http://schemas.microsoft.com/office/powerpoint/2010/main" val="838292475"/>
+      </p:ext>
+    </p:extLst>
+  </p:cSld>
+  <p:clrMapOvr>
+    <a:masterClrMapping/>
+  </p:clrMapOvr>
+</p:sld>
+</file>
+
+<file path=ppt/slides/slide3.xml><?xml version="1.0" encoding="utf-8"?>
+<p:sld xmlns:a="http://schemas.openxmlformats.org/drawingml/2006/main" xmlns:r="http://schemas.openxmlformats.org/officeDocument/2006/relationships" xmlns:p="http://schemas.openxmlformats.org/presentationml/2006/main">
+  <p:cSld>
+    <p:spTree>
+      <p:nvGrpSpPr>
+        <p:cNvPr id="1" name=""/>
+        <p:cNvGrpSpPr/>
+        <p:nvPr/>
+      </p:nvGrpSpPr>
+      <p:grpSpPr>
+        <a:xfrm>
+          <a:off x="0" y="0"/>
+          <a:ext cx="0" cy="0"/>
+          <a:chOff x="0" y="0"/>
+          <a:chExt cx="0" cy="0"/>
+        </a:xfrm>
+      </p:grpSpPr>
+      <p:sp>
+        <p:nvSpPr>
+          <p:cNvPr id="70" name="직사각형 69">
+            <a:extLst>
+              <a:ext uri="{FF2B5EF4-FFF2-40B4-BE49-F238E27FC236}">
+                <a16:creationId xmlns:a16="http://schemas.microsoft.com/office/drawing/2014/main" id="{CDDCD5EF-2970-41F3-9134-7FCAC25392C0}"/>
+              </a:ext>
+            </a:extLst>
+          </p:cNvPr>
+          <p:cNvSpPr/>
+          <p:nvPr/>
+        </p:nvSpPr>
+        <p:spPr>
+          <a:xfrm>
+            <a:off x="4825415" y="4565061"/>
+            <a:ext cx="717867" cy="651289"/>
+          </a:xfrm>
+          <a:prstGeom prst="rect">
+            <a:avLst/>
+          </a:prstGeom>
+          <a:solidFill>
+            <a:schemeClr val="tx1">
+              <a:lumMod val="50000"/>
+              <a:lumOff val="50000"/>
+            </a:schemeClr>
+          </a:solidFill>
+          <a:ln w="28575">
+            <a:solidFill>
+              <a:schemeClr val="tx2">
+                <a:lumMod val="75000"/>
+              </a:schemeClr>
+            </a:solidFill>
+          </a:ln>
+        </p:spPr>
+        <p:style>
+          <a:lnRef idx="2">
+            <a:schemeClr val="accent1">
+              <a:shade val="50000"/>
+            </a:schemeClr>
+          </a:lnRef>
+          <a:fillRef idx="1">
+            <a:schemeClr val="accent1"/>
+          </a:fillRef>
+          <a:effectRef idx="0">
+            <a:schemeClr val="accent1"/>
+          </a:effectRef>
+          <a:fontRef idx="minor">
+            <a:schemeClr val="lt1"/>
+          </a:fontRef>
+        </p:style>
+        <p:txBody>
+          <a:bodyPr rtlCol="0" anchor="ctr"/>
+          <a:lstStyle/>
+          <a:p>
+            <a:pPr algn="ctr"/>
+            <a:endParaRPr lang="ko-KR" altLang="en-US"/>
+          </a:p>
+        </p:txBody>
+      </p:sp>
+      <p:sp>
+        <p:nvSpPr>
           <p:cNvPr id="12" name="직사각형 11">
             <a:extLst>
               <a:ext uri="{FF2B5EF4-FFF2-40B4-BE49-F238E27FC236}">
@@ -3940,7 +4112,7 @@
         <p:spPr>
           <a:xfrm>
             <a:off x="869950" y="1265992"/>
-            <a:ext cx="902811" cy="307777"/>
+            <a:ext cx="1324402" cy="307777"/>
           </a:xfrm>
           <a:prstGeom prst="rect">
             <a:avLst/>
@@ -3955,7 +4127,7 @@
           <a:p>
             <a:r>
               <a:rPr lang="ko-KR" altLang="en-US" sz="1400" dirty="0"/>
-              <a:t>이동통로</a:t>
+              <a:t>방해 오브젝트</a:t>
             </a:r>
           </a:p>
         </p:txBody>
@@ -3974,7 +4146,7 @@
         </p:nvCxnSpPr>
         <p:spPr>
           <a:xfrm>
-            <a:off x="463243" y="1814483"/>
+            <a:off x="463243" y="2201176"/>
             <a:ext cx="259529" cy="0"/>
           </a:xfrm>
           <a:prstGeom prst="straightConnector1">
@@ -4016,7 +4188,7 @@
         </p:nvSpPr>
         <p:spPr>
           <a:xfrm>
-            <a:off x="869950" y="1660594"/>
+            <a:off x="869950" y="2047287"/>
             <a:ext cx="1745991" cy="307777"/>
           </a:xfrm>
           <a:prstGeom prst="rect">
@@ -4039,10 +4211,45 @@
       </p:sp>
       <p:sp>
         <p:nvSpPr>
-          <p:cNvPr id="2" name="직사각형 1">
-            <a:extLst>
-              <a:ext uri="{FF2B5EF4-FFF2-40B4-BE49-F238E27FC236}">
-                <a16:creationId xmlns:a16="http://schemas.microsoft.com/office/drawing/2014/main" id="{16FE65A2-4326-4437-802E-95C6B02C1EFB}"/>
+          <p:cNvPr id="6" name="TextBox 5">
+            <a:extLst>
+              <a:ext uri="{FF2B5EF4-FFF2-40B4-BE49-F238E27FC236}">
+                <a16:creationId xmlns:a16="http://schemas.microsoft.com/office/drawing/2014/main" id="{45AD00DC-43E4-4FEE-AFDD-52B2EFF9A481}"/>
+              </a:ext>
+            </a:extLst>
+          </p:cNvPr>
+          <p:cNvSpPr txBox="1"/>
+          <p:nvPr/>
+        </p:nvSpPr>
+        <p:spPr>
+          <a:xfrm>
+            <a:off x="6356748" y="121636"/>
+            <a:ext cx="5835252" cy="369332"/>
+          </a:xfrm>
+          <a:prstGeom prst="rect">
+            <a:avLst/>
+          </a:prstGeom>
+          <a:noFill/>
+        </p:spPr>
+        <p:txBody>
+          <a:bodyPr wrap="none" rtlCol="0">
+            <a:spAutoFit/>
+          </a:bodyPr>
+          <a:lstStyle/>
+          <a:p>
+            <a:r>
+              <a:rPr lang="ko-KR" altLang="en-US" dirty="0"/>
+              <a:t>물 빼기를 이용한 난이도 하의 스테이지 하나 제작하기</a:t>
+            </a:r>
+          </a:p>
+        </p:txBody>
+      </p:sp>
+      <p:sp>
+        <p:nvSpPr>
+          <p:cNvPr id="5" name="직사각형 4">
+            <a:extLst>
+              <a:ext uri="{FF2B5EF4-FFF2-40B4-BE49-F238E27FC236}">
+                <a16:creationId xmlns:a16="http://schemas.microsoft.com/office/drawing/2014/main" id="{68F579E8-67E4-4787-9A58-2ECB21206AD0}"/>
               </a:ext>
             </a:extLst>
           </p:cNvPr>
@@ -4051,8 +4258,8 @@
         </p:nvSpPr>
         <p:spPr>
           <a:xfrm>
-            <a:off x="16405" y="4950084"/>
-            <a:ext cx="1882392" cy="1443499"/>
+            <a:off x="2834288" y="2763023"/>
+            <a:ext cx="259529" cy="3697351"/>
           </a:xfrm>
           <a:prstGeom prst="rect">
             <a:avLst/>
@@ -4093,10 +4300,10 @@
       </p:sp>
       <p:sp>
         <p:nvSpPr>
-          <p:cNvPr id="3" name="직사각형 2">
-            <a:extLst>
-              <a:ext uri="{FF2B5EF4-FFF2-40B4-BE49-F238E27FC236}">
-                <a16:creationId xmlns:a16="http://schemas.microsoft.com/office/drawing/2014/main" id="{B8ED6FB4-7A26-456E-95D4-D187BACE630D}"/>
+          <p:cNvPr id="43" name="직사각형 42">
+            <a:extLst>
+              <a:ext uri="{FF2B5EF4-FFF2-40B4-BE49-F238E27FC236}">
+                <a16:creationId xmlns:a16="http://schemas.microsoft.com/office/drawing/2014/main" id="{48EFDE85-F4C0-4040-A513-1B9CDBE870EB}"/>
               </a:ext>
             </a:extLst>
           </p:cNvPr>
@@ -4105,8 +4312,8 @@
         </p:nvSpPr>
         <p:spPr>
           <a:xfrm>
-            <a:off x="16405" y="5372067"/>
-            <a:ext cx="617101" cy="198783"/>
+            <a:off x="3093817" y="6214622"/>
+            <a:ext cx="1617330" cy="245752"/>
           </a:xfrm>
           <a:prstGeom prst="rect">
             <a:avLst/>
@@ -4147,10 +4354,10 @@
       </p:sp>
       <p:sp>
         <p:nvSpPr>
-          <p:cNvPr id="30" name="직사각형 29">
-            <a:extLst>
-              <a:ext uri="{FF2B5EF4-FFF2-40B4-BE49-F238E27FC236}">
-                <a16:creationId xmlns:a16="http://schemas.microsoft.com/office/drawing/2014/main" id="{6AD5AF3F-AC22-4754-867C-786F8C36DE1D}"/>
+          <p:cNvPr id="45" name="직사각형 44">
+            <a:extLst>
+              <a:ext uri="{FF2B5EF4-FFF2-40B4-BE49-F238E27FC236}">
+                <a16:creationId xmlns:a16="http://schemas.microsoft.com/office/drawing/2014/main" id="{85F8309A-3392-4C84-A359-A7C98DE0EA40}"/>
               </a:ext>
             </a:extLst>
           </p:cNvPr>
@@ -4159,8 +4366,67 @@
         </p:nvSpPr>
         <p:spPr>
           <a:xfrm>
-            <a:off x="1281696" y="5800208"/>
-            <a:ext cx="617101" cy="198783"/>
+            <a:off x="4451618" y="3647606"/>
+            <a:ext cx="259529" cy="2812768"/>
+          </a:xfrm>
+          <a:prstGeom prst="rect">
+            <a:avLst/>
+          </a:prstGeom>
+          <a:solidFill>
+            <a:schemeClr val="tx1">
+              <a:lumMod val="50000"/>
+              <a:lumOff val="50000"/>
+            </a:schemeClr>
+          </a:solidFill>
+          <a:ln w="28575">
+            <a:solidFill>
+              <a:schemeClr val="tx2">
+                <a:lumMod val="75000"/>
+              </a:schemeClr>
+            </a:solidFill>
+          </a:ln>
+        </p:spPr>
+        <p:style>
+          <a:lnRef idx="2">
+            <a:schemeClr val="accent1">
+              <a:shade val="50000"/>
+            </a:schemeClr>
+          </a:lnRef>
+          <a:fillRef idx="1">
+            <a:schemeClr val="accent1"/>
+          </a:fillRef>
+          <a:effectRef idx="0">
+            <a:schemeClr val="accent1"/>
+          </a:effectRef>
+          <a:fontRef idx="minor">
+            <a:schemeClr val="lt1"/>
+          </a:fontRef>
+        </p:style>
+        <p:txBody>
+          <a:bodyPr rtlCol="0" anchor="ctr"/>
+          <a:lstStyle/>
+          <a:p>
+            <a:pPr algn="ctr"/>
+            <a:endParaRPr lang="ko-KR" altLang="en-US"/>
+          </a:p>
+        </p:txBody>
+      </p:sp>
+      <p:sp>
+        <p:nvSpPr>
+          <p:cNvPr id="46" name="직사각형 45">
+            <a:extLst>
+              <a:ext uri="{FF2B5EF4-FFF2-40B4-BE49-F238E27FC236}">
+                <a16:creationId xmlns:a16="http://schemas.microsoft.com/office/drawing/2014/main" id="{07C25C83-0686-44CB-9563-8838E7383B39}"/>
+              </a:ext>
+            </a:extLst>
+          </p:cNvPr>
+          <p:cNvSpPr/>
+          <p:nvPr/>
+        </p:nvSpPr>
+        <p:spPr>
+          <a:xfrm>
+            <a:off x="3093817" y="5419971"/>
+            <a:ext cx="909419" cy="218606"/>
           </a:xfrm>
           <a:prstGeom prst="rect">
             <a:avLst/>
@@ -4201,10 +4467,10 @@
       </p:sp>
       <p:sp>
         <p:nvSpPr>
-          <p:cNvPr id="32" name="직사각형 31">
-            <a:extLst>
-              <a:ext uri="{FF2B5EF4-FFF2-40B4-BE49-F238E27FC236}">
-                <a16:creationId xmlns:a16="http://schemas.microsoft.com/office/drawing/2014/main" id="{8F2CA6B4-891E-420C-A192-26E6CAD931D0}"/>
+          <p:cNvPr id="47" name="직사각형 46">
+            <a:extLst>
+              <a:ext uri="{FF2B5EF4-FFF2-40B4-BE49-F238E27FC236}">
+                <a16:creationId xmlns:a16="http://schemas.microsoft.com/office/drawing/2014/main" id="{08F701D6-D6AD-4D3F-883F-650759C8AA75}"/>
               </a:ext>
             </a:extLst>
           </p:cNvPr>
@@ -4213,8 +4479,8 @@
         </p:nvSpPr>
         <p:spPr>
           <a:xfrm>
-            <a:off x="1281695" y="3802444"/>
-            <a:ext cx="617101" cy="198783"/>
+            <a:off x="4003236" y="4684062"/>
+            <a:ext cx="448382" cy="218606"/>
           </a:xfrm>
           <a:prstGeom prst="rect">
             <a:avLst/>
@@ -4255,10 +4521,10 @@
       </p:sp>
       <p:sp>
         <p:nvSpPr>
-          <p:cNvPr id="33" name="직사각형 32">
-            <a:extLst>
-              <a:ext uri="{FF2B5EF4-FFF2-40B4-BE49-F238E27FC236}">
-                <a16:creationId xmlns:a16="http://schemas.microsoft.com/office/drawing/2014/main" id="{6B9BF1F2-3945-4CFF-B0C8-DA3452F6A001}"/>
+          <p:cNvPr id="56" name="직사각형 55">
+            <a:extLst>
+              <a:ext uri="{FF2B5EF4-FFF2-40B4-BE49-F238E27FC236}">
+                <a16:creationId xmlns:a16="http://schemas.microsoft.com/office/drawing/2014/main" id="{427B43C0-EB43-4DBB-B0CF-B57D47BC1AC4}"/>
               </a:ext>
             </a:extLst>
           </p:cNvPr>
@@ -4267,8 +4533,8 @@
         </p:nvSpPr>
         <p:spPr>
           <a:xfrm>
-            <a:off x="16404" y="3052564"/>
-            <a:ext cx="617101" cy="198783"/>
+            <a:off x="3093817" y="3939219"/>
+            <a:ext cx="714519" cy="218606"/>
           </a:xfrm>
           <a:prstGeom prst="rect">
             <a:avLst/>
@@ -4309,10 +4575,10 @@
       </p:sp>
       <p:sp>
         <p:nvSpPr>
-          <p:cNvPr id="34" name="직사각형 33">
-            <a:extLst>
-              <a:ext uri="{FF2B5EF4-FFF2-40B4-BE49-F238E27FC236}">
-                <a16:creationId xmlns:a16="http://schemas.microsoft.com/office/drawing/2014/main" id="{4B5430E4-A6A3-4390-873C-4FC8F9CA842C}"/>
+          <p:cNvPr id="57" name="직사각형 56">
+            <a:extLst>
+              <a:ext uri="{FF2B5EF4-FFF2-40B4-BE49-F238E27FC236}">
+                <a16:creationId xmlns:a16="http://schemas.microsoft.com/office/drawing/2014/main" id="{1E73CF5F-F43B-48B1-9B51-17690F61041C}"/>
               </a:ext>
             </a:extLst>
           </p:cNvPr>
@@ -4321,8 +4587,8 @@
         </p:nvSpPr>
         <p:spPr>
           <a:xfrm>
-            <a:off x="0" y="4449942"/>
-            <a:ext cx="617101" cy="198783"/>
+            <a:off x="4262765" y="3429000"/>
+            <a:ext cx="448382" cy="218606"/>
           </a:xfrm>
           <a:prstGeom prst="rect">
             <a:avLst/>
@@ -4363,10 +4629,969 @@
       </p:sp>
       <p:sp>
         <p:nvSpPr>
-          <p:cNvPr id="6" name="TextBox 5">
-            <a:extLst>
-              <a:ext uri="{FF2B5EF4-FFF2-40B4-BE49-F238E27FC236}">
-                <a16:creationId xmlns:a16="http://schemas.microsoft.com/office/drawing/2014/main" id="{45AD00DC-43E4-4FEE-AFDD-52B2EFF9A481}"/>
+          <p:cNvPr id="59" name="직사각형 58">
+            <a:extLst>
+              <a:ext uri="{FF2B5EF4-FFF2-40B4-BE49-F238E27FC236}">
+                <a16:creationId xmlns:a16="http://schemas.microsoft.com/office/drawing/2014/main" id="{5FC87CA2-46DE-436D-A93F-042E5CC2B569}"/>
+              </a:ext>
+            </a:extLst>
+          </p:cNvPr>
+          <p:cNvSpPr/>
+          <p:nvPr/>
+        </p:nvSpPr>
+        <p:spPr>
+          <a:xfrm>
+            <a:off x="3093817" y="2763023"/>
+            <a:ext cx="448382" cy="218606"/>
+          </a:xfrm>
+          <a:prstGeom prst="rect">
+            <a:avLst/>
+          </a:prstGeom>
+          <a:noFill/>
+          <a:ln w="28575">
+            <a:solidFill>
+              <a:schemeClr val="tx2">
+                <a:lumMod val="75000"/>
+              </a:schemeClr>
+            </a:solidFill>
+          </a:ln>
+        </p:spPr>
+        <p:style>
+          <a:lnRef idx="2">
+            <a:schemeClr val="accent1">
+              <a:shade val="50000"/>
+            </a:schemeClr>
+          </a:lnRef>
+          <a:fillRef idx="1">
+            <a:schemeClr val="accent1"/>
+          </a:fillRef>
+          <a:effectRef idx="0">
+            <a:schemeClr val="accent1"/>
+          </a:effectRef>
+          <a:fontRef idx="minor">
+            <a:schemeClr val="lt1"/>
+          </a:fontRef>
+        </p:style>
+        <p:txBody>
+          <a:bodyPr rtlCol="0" anchor="ctr"/>
+          <a:lstStyle/>
+          <a:p>
+            <a:pPr algn="ctr"/>
+            <a:endParaRPr lang="ko-KR" altLang="en-US"/>
+          </a:p>
+        </p:txBody>
+      </p:sp>
+      <p:sp>
+        <p:nvSpPr>
+          <p:cNvPr id="60" name="직사각형 59">
+            <a:extLst>
+              <a:ext uri="{FF2B5EF4-FFF2-40B4-BE49-F238E27FC236}">
+                <a16:creationId xmlns:a16="http://schemas.microsoft.com/office/drawing/2014/main" id="{4F057C1C-9478-4090-806A-763D5FFBB393}"/>
+              </a:ext>
+            </a:extLst>
+          </p:cNvPr>
+          <p:cNvSpPr/>
+          <p:nvPr/>
+        </p:nvSpPr>
+        <p:spPr>
+          <a:xfrm>
+            <a:off x="4711147" y="5525818"/>
+            <a:ext cx="2224174" cy="307777"/>
+          </a:xfrm>
+          <a:prstGeom prst="rect">
+            <a:avLst/>
+          </a:prstGeom>
+          <a:noFill/>
+          <a:ln w="28575">
+            <a:solidFill>
+              <a:schemeClr val="tx2">
+                <a:lumMod val="75000"/>
+              </a:schemeClr>
+            </a:solidFill>
+          </a:ln>
+        </p:spPr>
+        <p:style>
+          <a:lnRef idx="2">
+            <a:schemeClr val="accent1">
+              <a:shade val="50000"/>
+            </a:schemeClr>
+          </a:lnRef>
+          <a:fillRef idx="1">
+            <a:schemeClr val="accent1"/>
+          </a:fillRef>
+          <a:effectRef idx="0">
+            <a:schemeClr val="accent1"/>
+          </a:effectRef>
+          <a:fontRef idx="minor">
+            <a:schemeClr val="lt1"/>
+          </a:fontRef>
+        </p:style>
+        <p:txBody>
+          <a:bodyPr rtlCol="0" anchor="ctr"/>
+          <a:lstStyle/>
+          <a:p>
+            <a:pPr algn="ctr"/>
+            <a:endParaRPr lang="ko-KR" altLang="en-US"/>
+          </a:p>
+        </p:txBody>
+      </p:sp>
+      <p:sp>
+        <p:nvSpPr>
+          <p:cNvPr id="61" name="직사각형 60">
+            <a:extLst>
+              <a:ext uri="{FF2B5EF4-FFF2-40B4-BE49-F238E27FC236}">
+                <a16:creationId xmlns:a16="http://schemas.microsoft.com/office/drawing/2014/main" id="{76EF282C-2ADC-4E00-8680-CEB06687A586}"/>
+              </a:ext>
+            </a:extLst>
+          </p:cNvPr>
+          <p:cNvSpPr/>
+          <p:nvPr/>
+        </p:nvSpPr>
+        <p:spPr>
+          <a:xfrm>
+            <a:off x="6935321" y="3647606"/>
+            <a:ext cx="259529" cy="2202000"/>
+          </a:xfrm>
+          <a:prstGeom prst="rect">
+            <a:avLst/>
+          </a:prstGeom>
+          <a:noFill/>
+          <a:ln w="28575">
+            <a:solidFill>
+              <a:schemeClr val="tx2">
+                <a:lumMod val="75000"/>
+              </a:schemeClr>
+            </a:solidFill>
+          </a:ln>
+        </p:spPr>
+        <p:style>
+          <a:lnRef idx="2">
+            <a:schemeClr val="accent1">
+              <a:shade val="50000"/>
+            </a:schemeClr>
+          </a:lnRef>
+          <a:fillRef idx="1">
+            <a:schemeClr val="accent1"/>
+          </a:fillRef>
+          <a:effectRef idx="0">
+            <a:schemeClr val="accent1"/>
+          </a:effectRef>
+          <a:fontRef idx="minor">
+            <a:schemeClr val="lt1"/>
+          </a:fontRef>
+        </p:style>
+        <p:txBody>
+          <a:bodyPr rtlCol="0" anchor="ctr"/>
+          <a:lstStyle/>
+          <a:p>
+            <a:pPr algn="ctr"/>
+            <a:endParaRPr lang="ko-KR" altLang="en-US"/>
+          </a:p>
+        </p:txBody>
+      </p:sp>
+      <p:sp>
+        <p:nvSpPr>
+          <p:cNvPr id="62" name="직사각형 61">
+            <a:extLst>
+              <a:ext uri="{FF2B5EF4-FFF2-40B4-BE49-F238E27FC236}">
+                <a16:creationId xmlns:a16="http://schemas.microsoft.com/office/drawing/2014/main" id="{6BD1F8BD-13D9-473C-8522-4E8621E957BB}"/>
+              </a:ext>
+            </a:extLst>
+          </p:cNvPr>
+          <p:cNvSpPr/>
+          <p:nvPr/>
+        </p:nvSpPr>
+        <p:spPr>
+          <a:xfrm>
+            <a:off x="6483615" y="3429000"/>
+            <a:ext cx="3521775" cy="218606"/>
+          </a:xfrm>
+          <a:prstGeom prst="rect">
+            <a:avLst/>
+          </a:prstGeom>
+          <a:noFill/>
+          <a:ln w="28575">
+            <a:solidFill>
+              <a:schemeClr val="tx2">
+                <a:lumMod val="75000"/>
+              </a:schemeClr>
+            </a:solidFill>
+          </a:ln>
+        </p:spPr>
+        <p:style>
+          <a:lnRef idx="2">
+            <a:schemeClr val="accent1">
+              <a:shade val="50000"/>
+            </a:schemeClr>
+          </a:lnRef>
+          <a:fillRef idx="1">
+            <a:schemeClr val="accent1"/>
+          </a:fillRef>
+          <a:effectRef idx="0">
+            <a:schemeClr val="accent1"/>
+          </a:effectRef>
+          <a:fontRef idx="minor">
+            <a:schemeClr val="lt1"/>
+          </a:fontRef>
+        </p:style>
+        <p:txBody>
+          <a:bodyPr rtlCol="0" anchor="ctr"/>
+          <a:lstStyle/>
+          <a:p>
+            <a:pPr algn="ctr"/>
+            <a:endParaRPr lang="ko-KR" altLang="en-US"/>
+          </a:p>
+        </p:txBody>
+      </p:sp>
+      <p:sp>
+        <p:nvSpPr>
+          <p:cNvPr id="63" name="직사각형 62">
+            <a:extLst>
+              <a:ext uri="{FF2B5EF4-FFF2-40B4-BE49-F238E27FC236}">
+                <a16:creationId xmlns:a16="http://schemas.microsoft.com/office/drawing/2014/main" id="{6DEAD5E6-C683-4FC8-918B-DEB81A674BB2}"/>
+              </a:ext>
+            </a:extLst>
+          </p:cNvPr>
+          <p:cNvSpPr/>
+          <p:nvPr/>
+        </p:nvSpPr>
+        <p:spPr>
+          <a:xfrm>
+            <a:off x="6930377" y="1348194"/>
+            <a:ext cx="264474" cy="2080806"/>
+          </a:xfrm>
+          <a:prstGeom prst="rect">
+            <a:avLst/>
+          </a:prstGeom>
+          <a:solidFill>
+            <a:schemeClr val="tx1">
+              <a:lumMod val="50000"/>
+              <a:lumOff val="50000"/>
+            </a:schemeClr>
+          </a:solidFill>
+          <a:ln w="28575">
+            <a:solidFill>
+              <a:schemeClr val="tx2">
+                <a:lumMod val="75000"/>
+              </a:schemeClr>
+            </a:solidFill>
+          </a:ln>
+        </p:spPr>
+        <p:style>
+          <a:lnRef idx="2">
+            <a:schemeClr val="accent1">
+              <a:shade val="50000"/>
+            </a:schemeClr>
+          </a:lnRef>
+          <a:fillRef idx="1">
+            <a:schemeClr val="accent1"/>
+          </a:fillRef>
+          <a:effectRef idx="0">
+            <a:schemeClr val="accent1"/>
+          </a:effectRef>
+          <a:fontRef idx="minor">
+            <a:schemeClr val="lt1"/>
+          </a:fontRef>
+        </p:style>
+        <p:txBody>
+          <a:bodyPr rtlCol="0" anchor="ctr"/>
+          <a:lstStyle/>
+          <a:p>
+            <a:pPr algn="ctr"/>
+            <a:endParaRPr lang="ko-KR" altLang="en-US"/>
+          </a:p>
+        </p:txBody>
+      </p:sp>
+      <p:sp>
+        <p:nvSpPr>
+          <p:cNvPr id="65" name="직사각형 64">
+            <a:extLst>
+              <a:ext uri="{FF2B5EF4-FFF2-40B4-BE49-F238E27FC236}">
+                <a16:creationId xmlns:a16="http://schemas.microsoft.com/office/drawing/2014/main" id="{BCFDCDD6-CC13-42C0-96ED-33EA65B5503D}"/>
+              </a:ext>
+            </a:extLst>
+          </p:cNvPr>
+          <p:cNvSpPr/>
+          <p:nvPr/>
+        </p:nvSpPr>
+        <p:spPr>
+          <a:xfrm>
+            <a:off x="8633209" y="1561816"/>
+            <a:ext cx="921608" cy="1855231"/>
+          </a:xfrm>
+          <a:prstGeom prst="rect">
+            <a:avLst/>
+          </a:prstGeom>
+          <a:solidFill>
+            <a:schemeClr val="accent4">
+              <a:lumMod val="20000"/>
+              <a:lumOff val="80000"/>
+            </a:schemeClr>
+          </a:solidFill>
+          <a:ln w="28575">
+            <a:solidFill>
+              <a:schemeClr val="tx2">
+                <a:lumMod val="75000"/>
+              </a:schemeClr>
+            </a:solidFill>
+          </a:ln>
+        </p:spPr>
+        <p:style>
+          <a:lnRef idx="2">
+            <a:schemeClr val="accent1">
+              <a:shade val="50000"/>
+            </a:schemeClr>
+          </a:lnRef>
+          <a:fillRef idx="1">
+            <a:schemeClr val="accent1"/>
+          </a:fillRef>
+          <a:effectRef idx="0">
+            <a:schemeClr val="accent1"/>
+          </a:effectRef>
+          <a:fontRef idx="minor">
+            <a:schemeClr val="lt1"/>
+          </a:fontRef>
+        </p:style>
+        <p:txBody>
+          <a:bodyPr rtlCol="0" anchor="ctr"/>
+          <a:lstStyle/>
+          <a:p>
+            <a:pPr algn="ctr"/>
+            <a:endParaRPr lang="ko-KR" altLang="en-US"/>
+          </a:p>
+        </p:txBody>
+      </p:sp>
+      <p:sp>
+        <p:nvSpPr>
+          <p:cNvPr id="66" name="직사각형 65">
+            <a:extLst>
+              <a:ext uri="{FF2B5EF4-FFF2-40B4-BE49-F238E27FC236}">
+                <a16:creationId xmlns:a16="http://schemas.microsoft.com/office/drawing/2014/main" id="{391C6B3F-038F-4A64-A819-70B89E37EF54}"/>
+              </a:ext>
+            </a:extLst>
+          </p:cNvPr>
+          <p:cNvSpPr/>
+          <p:nvPr/>
+        </p:nvSpPr>
+        <p:spPr>
+          <a:xfrm>
+            <a:off x="7194850" y="1573767"/>
+            <a:ext cx="1438359" cy="1843280"/>
+          </a:xfrm>
+          <a:prstGeom prst="rect">
+            <a:avLst/>
+          </a:prstGeom>
+          <a:solidFill>
+            <a:schemeClr val="accent1"/>
+          </a:solidFill>
+          <a:ln w="28575">
+            <a:solidFill>
+              <a:schemeClr val="tx2">
+                <a:lumMod val="75000"/>
+              </a:schemeClr>
+            </a:solidFill>
+          </a:ln>
+        </p:spPr>
+        <p:style>
+          <a:lnRef idx="2">
+            <a:schemeClr val="accent1">
+              <a:shade val="50000"/>
+            </a:schemeClr>
+          </a:lnRef>
+          <a:fillRef idx="1">
+            <a:schemeClr val="accent1"/>
+          </a:fillRef>
+          <a:effectRef idx="0">
+            <a:schemeClr val="accent1"/>
+          </a:effectRef>
+          <a:fontRef idx="minor">
+            <a:schemeClr val="lt1"/>
+          </a:fontRef>
+        </p:style>
+        <p:txBody>
+          <a:bodyPr rtlCol="0" anchor="ctr"/>
+          <a:lstStyle/>
+          <a:p>
+            <a:pPr algn="ctr"/>
+            <a:endParaRPr lang="ko-KR" altLang="en-US"/>
+          </a:p>
+        </p:txBody>
+      </p:sp>
+      <p:sp>
+        <p:nvSpPr>
+          <p:cNvPr id="67" name="직사각형 66">
+            <a:extLst>
+              <a:ext uri="{FF2B5EF4-FFF2-40B4-BE49-F238E27FC236}">
+                <a16:creationId xmlns:a16="http://schemas.microsoft.com/office/drawing/2014/main" id="{AE828720-EBDE-4189-B115-1D8E59CA7F21}"/>
+              </a:ext>
+            </a:extLst>
+          </p:cNvPr>
+          <p:cNvSpPr/>
+          <p:nvPr/>
+        </p:nvSpPr>
+        <p:spPr>
+          <a:xfrm>
+            <a:off x="4715020" y="5419971"/>
+            <a:ext cx="2220301" cy="89836"/>
+          </a:xfrm>
+          <a:prstGeom prst="rect">
+            <a:avLst/>
+          </a:prstGeom>
+          <a:solidFill>
+            <a:schemeClr val="accent1"/>
+          </a:solidFill>
+          <a:ln w="28575">
+            <a:solidFill>
+              <a:schemeClr val="tx2">
+                <a:lumMod val="75000"/>
+              </a:schemeClr>
+            </a:solidFill>
+          </a:ln>
+        </p:spPr>
+        <p:style>
+          <a:lnRef idx="2">
+            <a:schemeClr val="accent1">
+              <a:shade val="50000"/>
+            </a:schemeClr>
+          </a:lnRef>
+          <a:fillRef idx="1">
+            <a:schemeClr val="accent1"/>
+          </a:fillRef>
+          <a:effectRef idx="0">
+            <a:schemeClr val="accent1"/>
+          </a:effectRef>
+          <a:fontRef idx="minor">
+            <a:schemeClr val="lt1"/>
+          </a:fontRef>
+        </p:style>
+        <p:txBody>
+          <a:bodyPr rtlCol="0" anchor="ctr"/>
+          <a:lstStyle/>
+          <a:p>
+            <a:pPr algn="ctr"/>
+            <a:endParaRPr lang="ko-KR" altLang="en-US"/>
+          </a:p>
+        </p:txBody>
+      </p:sp>
+      <p:sp>
+        <p:nvSpPr>
+          <p:cNvPr id="68" name="직사각형 67">
+            <a:extLst>
+              <a:ext uri="{FF2B5EF4-FFF2-40B4-BE49-F238E27FC236}">
+                <a16:creationId xmlns:a16="http://schemas.microsoft.com/office/drawing/2014/main" id="{DE4C3B27-C369-40CE-B7D8-596C33E11071}"/>
+              </a:ext>
+            </a:extLst>
+          </p:cNvPr>
+          <p:cNvSpPr/>
+          <p:nvPr/>
+        </p:nvSpPr>
+        <p:spPr>
+          <a:xfrm>
+            <a:off x="5467616" y="5233314"/>
+            <a:ext cx="259529" cy="259529"/>
+          </a:xfrm>
+          <a:prstGeom prst="rect">
+            <a:avLst/>
+          </a:prstGeom>
+          <a:solidFill>
+            <a:schemeClr val="accent4">
+              <a:lumMod val="20000"/>
+              <a:lumOff val="80000"/>
+            </a:schemeClr>
+          </a:solidFill>
+          <a:ln w="28575">
+            <a:solidFill>
+              <a:schemeClr val="tx2">
+                <a:lumMod val="75000"/>
+              </a:schemeClr>
+            </a:solidFill>
+          </a:ln>
+        </p:spPr>
+        <p:style>
+          <a:lnRef idx="2">
+            <a:schemeClr val="accent1">
+              <a:shade val="50000"/>
+            </a:schemeClr>
+          </a:lnRef>
+          <a:fillRef idx="1">
+            <a:schemeClr val="accent1"/>
+          </a:fillRef>
+          <a:effectRef idx="0">
+            <a:schemeClr val="accent1"/>
+          </a:effectRef>
+          <a:fontRef idx="minor">
+            <a:schemeClr val="lt1"/>
+          </a:fontRef>
+        </p:style>
+        <p:txBody>
+          <a:bodyPr rtlCol="0" anchor="ctr"/>
+          <a:lstStyle/>
+          <a:p>
+            <a:pPr algn="ctr"/>
+            <a:endParaRPr lang="ko-KR" altLang="en-US"/>
+          </a:p>
+        </p:txBody>
+      </p:sp>
+      <p:sp>
+        <p:nvSpPr>
+          <p:cNvPr id="71" name="직사각형 70">
+            <a:extLst>
+              <a:ext uri="{FF2B5EF4-FFF2-40B4-BE49-F238E27FC236}">
+                <a16:creationId xmlns:a16="http://schemas.microsoft.com/office/drawing/2014/main" id="{83AEFB48-2D7C-41B4-966F-0DED3E68166A}"/>
+              </a:ext>
+            </a:extLst>
+          </p:cNvPr>
+          <p:cNvSpPr/>
+          <p:nvPr/>
+        </p:nvSpPr>
+        <p:spPr>
+          <a:xfrm>
+            <a:off x="6103186" y="3767933"/>
+            <a:ext cx="776398" cy="660248"/>
+          </a:xfrm>
+          <a:prstGeom prst="rect">
+            <a:avLst/>
+          </a:prstGeom>
+          <a:solidFill>
+            <a:schemeClr val="tx1">
+              <a:lumMod val="50000"/>
+              <a:lumOff val="50000"/>
+            </a:schemeClr>
+          </a:solidFill>
+          <a:ln w="28575">
+            <a:solidFill>
+              <a:schemeClr val="tx2">
+                <a:lumMod val="75000"/>
+              </a:schemeClr>
+            </a:solidFill>
+          </a:ln>
+        </p:spPr>
+        <p:style>
+          <a:lnRef idx="2">
+            <a:schemeClr val="accent1">
+              <a:shade val="50000"/>
+            </a:schemeClr>
+          </a:lnRef>
+          <a:fillRef idx="1">
+            <a:schemeClr val="accent1"/>
+          </a:fillRef>
+          <a:effectRef idx="0">
+            <a:schemeClr val="accent1"/>
+          </a:effectRef>
+          <a:fontRef idx="minor">
+            <a:schemeClr val="lt1"/>
+          </a:fontRef>
+        </p:style>
+        <p:txBody>
+          <a:bodyPr rtlCol="0" anchor="ctr"/>
+          <a:lstStyle/>
+          <a:p>
+            <a:pPr algn="ctr"/>
+            <a:endParaRPr lang="ko-KR" altLang="en-US"/>
+          </a:p>
+        </p:txBody>
+      </p:sp>
+      <p:sp>
+        <p:nvSpPr>
+          <p:cNvPr id="72" name="직사각형 71">
+            <a:extLst>
+              <a:ext uri="{FF2B5EF4-FFF2-40B4-BE49-F238E27FC236}">
+                <a16:creationId xmlns:a16="http://schemas.microsoft.com/office/drawing/2014/main" id="{1CCD853B-4A1A-4C2A-BC7B-5065F9F4DFE2}"/>
+              </a:ext>
+            </a:extLst>
+          </p:cNvPr>
+          <p:cNvSpPr/>
+          <p:nvPr/>
+        </p:nvSpPr>
+        <p:spPr>
+          <a:xfrm>
+            <a:off x="4164220" y="4378090"/>
+            <a:ext cx="259529" cy="259529"/>
+          </a:xfrm>
+          <a:prstGeom prst="rect">
+            <a:avLst/>
+          </a:prstGeom>
+          <a:solidFill>
+            <a:schemeClr val="accent4">
+              <a:lumMod val="20000"/>
+              <a:lumOff val="80000"/>
+            </a:schemeClr>
+          </a:solidFill>
+          <a:ln w="28575">
+            <a:solidFill>
+              <a:schemeClr val="tx2">
+                <a:lumMod val="75000"/>
+              </a:schemeClr>
+            </a:solidFill>
+          </a:ln>
+        </p:spPr>
+        <p:style>
+          <a:lnRef idx="2">
+            <a:schemeClr val="accent1">
+              <a:shade val="50000"/>
+            </a:schemeClr>
+          </a:lnRef>
+          <a:fillRef idx="1">
+            <a:schemeClr val="accent1"/>
+          </a:fillRef>
+          <a:effectRef idx="0">
+            <a:schemeClr val="accent1"/>
+          </a:effectRef>
+          <a:fontRef idx="minor">
+            <a:schemeClr val="lt1"/>
+          </a:fontRef>
+        </p:style>
+        <p:txBody>
+          <a:bodyPr rtlCol="0" anchor="ctr"/>
+          <a:lstStyle/>
+          <a:p>
+            <a:pPr algn="ctr"/>
+            <a:endParaRPr lang="ko-KR" altLang="en-US"/>
+          </a:p>
+        </p:txBody>
+      </p:sp>
+      <p:sp>
+        <p:nvSpPr>
+          <p:cNvPr id="73" name="직사각형 72">
+            <a:extLst>
+              <a:ext uri="{FF2B5EF4-FFF2-40B4-BE49-F238E27FC236}">
+                <a16:creationId xmlns:a16="http://schemas.microsoft.com/office/drawing/2014/main" id="{50B0045E-C33B-4FF6-AC23-78C6FF82A1EE}"/>
+              </a:ext>
+            </a:extLst>
+          </p:cNvPr>
+          <p:cNvSpPr/>
+          <p:nvPr/>
+        </p:nvSpPr>
+        <p:spPr>
+          <a:xfrm>
+            <a:off x="6052393" y="2553842"/>
+            <a:ext cx="877983" cy="218606"/>
+          </a:xfrm>
+          <a:prstGeom prst="rect">
+            <a:avLst/>
+          </a:prstGeom>
+          <a:noFill/>
+          <a:ln w="28575">
+            <a:solidFill>
+              <a:schemeClr val="tx2">
+                <a:lumMod val="75000"/>
+              </a:schemeClr>
+            </a:solidFill>
+          </a:ln>
+        </p:spPr>
+        <p:style>
+          <a:lnRef idx="2">
+            <a:schemeClr val="accent1">
+              <a:shade val="50000"/>
+            </a:schemeClr>
+          </a:lnRef>
+          <a:fillRef idx="1">
+            <a:schemeClr val="accent1"/>
+          </a:fillRef>
+          <a:effectRef idx="0">
+            <a:schemeClr val="accent1"/>
+          </a:effectRef>
+          <a:fontRef idx="minor">
+            <a:schemeClr val="lt1"/>
+          </a:fontRef>
+        </p:style>
+        <p:txBody>
+          <a:bodyPr rtlCol="0" anchor="ctr"/>
+          <a:lstStyle/>
+          <a:p>
+            <a:pPr algn="ctr"/>
+            <a:endParaRPr lang="ko-KR" altLang="en-US"/>
+          </a:p>
+        </p:txBody>
+      </p:sp>
+      <p:sp>
+        <p:nvSpPr>
+          <p:cNvPr id="75" name="직사각형 74">
+            <a:extLst>
+              <a:ext uri="{FF2B5EF4-FFF2-40B4-BE49-F238E27FC236}">
+                <a16:creationId xmlns:a16="http://schemas.microsoft.com/office/drawing/2014/main" id="{A8C9224E-B79D-4B97-9F60-1009F7B78A4C}"/>
+              </a:ext>
+            </a:extLst>
+          </p:cNvPr>
+          <p:cNvSpPr/>
+          <p:nvPr/>
+        </p:nvSpPr>
+        <p:spPr>
+          <a:xfrm>
+            <a:off x="4721610" y="2105239"/>
+            <a:ext cx="877983" cy="218606"/>
+          </a:xfrm>
+          <a:prstGeom prst="rect">
+            <a:avLst/>
+          </a:prstGeom>
+          <a:noFill/>
+          <a:ln w="28575">
+            <a:solidFill>
+              <a:schemeClr val="tx2">
+                <a:lumMod val="75000"/>
+              </a:schemeClr>
+            </a:solidFill>
+          </a:ln>
+        </p:spPr>
+        <p:style>
+          <a:lnRef idx="2">
+            <a:schemeClr val="accent1">
+              <a:shade val="50000"/>
+            </a:schemeClr>
+          </a:lnRef>
+          <a:fillRef idx="1">
+            <a:schemeClr val="accent1"/>
+          </a:fillRef>
+          <a:effectRef idx="0">
+            <a:schemeClr val="accent1"/>
+          </a:effectRef>
+          <a:fontRef idx="minor">
+            <a:schemeClr val="lt1"/>
+          </a:fontRef>
+        </p:style>
+        <p:txBody>
+          <a:bodyPr rtlCol="0" anchor="ctr"/>
+          <a:lstStyle/>
+          <a:p>
+            <a:pPr algn="ctr"/>
+            <a:endParaRPr lang="ko-KR" altLang="en-US"/>
+          </a:p>
+        </p:txBody>
+      </p:sp>
+      <p:sp>
+        <p:nvSpPr>
+          <p:cNvPr id="76" name="직사각형 75">
+            <a:extLst>
+              <a:ext uri="{FF2B5EF4-FFF2-40B4-BE49-F238E27FC236}">
+                <a16:creationId xmlns:a16="http://schemas.microsoft.com/office/drawing/2014/main" id="{DB1F7FBD-B70E-49E1-BF4D-C4467DA2CC1B}"/>
+              </a:ext>
+            </a:extLst>
+          </p:cNvPr>
+          <p:cNvSpPr/>
+          <p:nvPr/>
+        </p:nvSpPr>
+        <p:spPr>
+          <a:xfrm>
+            <a:off x="6055453" y="1633932"/>
+            <a:ext cx="877983" cy="218606"/>
+          </a:xfrm>
+          <a:prstGeom prst="rect">
+            <a:avLst/>
+          </a:prstGeom>
+          <a:noFill/>
+          <a:ln w="28575">
+            <a:solidFill>
+              <a:schemeClr val="tx2">
+                <a:lumMod val="75000"/>
+              </a:schemeClr>
+            </a:solidFill>
+          </a:ln>
+        </p:spPr>
+        <p:style>
+          <a:lnRef idx="2">
+            <a:schemeClr val="accent1">
+              <a:shade val="50000"/>
+            </a:schemeClr>
+          </a:lnRef>
+          <a:fillRef idx="1">
+            <a:schemeClr val="accent1"/>
+          </a:fillRef>
+          <a:effectRef idx="0">
+            <a:schemeClr val="accent1"/>
+          </a:effectRef>
+          <a:fontRef idx="minor">
+            <a:schemeClr val="lt1"/>
+          </a:fontRef>
+        </p:style>
+        <p:txBody>
+          <a:bodyPr rtlCol="0" anchor="ctr"/>
+          <a:lstStyle/>
+          <a:p>
+            <a:pPr algn="ctr"/>
+            <a:endParaRPr lang="ko-KR" altLang="en-US"/>
+          </a:p>
+        </p:txBody>
+      </p:sp>
+      <p:sp>
+        <p:nvSpPr>
+          <p:cNvPr id="77" name="직사각형 76">
+            <a:extLst>
+              <a:ext uri="{FF2B5EF4-FFF2-40B4-BE49-F238E27FC236}">
+                <a16:creationId xmlns:a16="http://schemas.microsoft.com/office/drawing/2014/main" id="{B71841AF-E753-42EB-9745-E2C5FB27342D}"/>
+              </a:ext>
+            </a:extLst>
+          </p:cNvPr>
+          <p:cNvSpPr/>
+          <p:nvPr/>
+        </p:nvSpPr>
+        <p:spPr>
+          <a:xfrm>
+            <a:off x="4610813" y="2961669"/>
+            <a:ext cx="429203" cy="429203"/>
+          </a:xfrm>
+          <a:prstGeom prst="rect">
+            <a:avLst/>
+          </a:prstGeom>
+          <a:solidFill>
+            <a:schemeClr val="accent4">
+              <a:lumMod val="20000"/>
+              <a:lumOff val="80000"/>
+            </a:schemeClr>
+          </a:solidFill>
+          <a:ln w="28575">
+            <a:solidFill>
+              <a:schemeClr val="tx2">
+                <a:lumMod val="75000"/>
+              </a:schemeClr>
+            </a:solidFill>
+          </a:ln>
+        </p:spPr>
+        <p:style>
+          <a:lnRef idx="2">
+            <a:schemeClr val="accent1">
+              <a:shade val="50000"/>
+            </a:schemeClr>
+          </a:lnRef>
+          <a:fillRef idx="1">
+            <a:schemeClr val="accent1"/>
+          </a:fillRef>
+          <a:effectRef idx="0">
+            <a:schemeClr val="accent1"/>
+          </a:effectRef>
+          <a:fontRef idx="minor">
+            <a:schemeClr val="lt1"/>
+          </a:fontRef>
+        </p:style>
+        <p:txBody>
+          <a:bodyPr rtlCol="0" anchor="ctr"/>
+          <a:lstStyle/>
+          <a:p>
+            <a:pPr algn="ctr"/>
+            <a:endParaRPr lang="ko-KR" altLang="en-US"/>
+          </a:p>
+        </p:txBody>
+      </p:sp>
+      <p:sp>
+        <p:nvSpPr>
+          <p:cNvPr id="78" name="직사각형 77">
+            <a:extLst>
+              <a:ext uri="{FF2B5EF4-FFF2-40B4-BE49-F238E27FC236}">
+                <a16:creationId xmlns:a16="http://schemas.microsoft.com/office/drawing/2014/main" id="{550D8C8E-FB6B-4B0D-A2F2-8548F6A383DA}"/>
+              </a:ext>
+            </a:extLst>
+          </p:cNvPr>
+          <p:cNvSpPr/>
+          <p:nvPr/>
+        </p:nvSpPr>
+        <p:spPr>
+          <a:xfrm>
+            <a:off x="5215137" y="965540"/>
+            <a:ext cx="429203" cy="429203"/>
+          </a:xfrm>
+          <a:prstGeom prst="rect">
+            <a:avLst/>
+          </a:prstGeom>
+          <a:solidFill>
+            <a:schemeClr val="accent4">
+              <a:lumMod val="20000"/>
+              <a:lumOff val="80000"/>
+            </a:schemeClr>
+          </a:solidFill>
+          <a:ln w="28575">
+            <a:solidFill>
+              <a:schemeClr val="tx2">
+                <a:lumMod val="75000"/>
+              </a:schemeClr>
+            </a:solidFill>
+          </a:ln>
+        </p:spPr>
+        <p:style>
+          <a:lnRef idx="2">
+            <a:schemeClr val="accent1">
+              <a:shade val="50000"/>
+            </a:schemeClr>
+          </a:lnRef>
+          <a:fillRef idx="1">
+            <a:schemeClr val="accent1"/>
+          </a:fillRef>
+          <a:effectRef idx="0">
+            <a:schemeClr val="accent1"/>
+          </a:effectRef>
+          <a:fontRef idx="minor">
+            <a:schemeClr val="lt1"/>
+          </a:fontRef>
+        </p:style>
+        <p:txBody>
+          <a:bodyPr rtlCol="0" anchor="ctr"/>
+          <a:lstStyle/>
+          <a:p>
+            <a:pPr algn="ctr"/>
+            <a:endParaRPr lang="ko-KR" altLang="en-US"/>
+          </a:p>
+        </p:txBody>
+      </p:sp>
+      <p:sp>
+        <p:nvSpPr>
+          <p:cNvPr id="79" name="직사각형 78">
+            <a:extLst>
+              <a:ext uri="{FF2B5EF4-FFF2-40B4-BE49-F238E27FC236}">
+                <a16:creationId xmlns:a16="http://schemas.microsoft.com/office/drawing/2014/main" id="{DA0DCD5E-90FE-44B9-B021-B5403CFC307C}"/>
+              </a:ext>
+            </a:extLst>
+          </p:cNvPr>
+          <p:cNvSpPr/>
+          <p:nvPr/>
+        </p:nvSpPr>
+        <p:spPr>
+          <a:xfrm>
+            <a:off x="463243" y="1692047"/>
+            <a:ext cx="259529" cy="259530"/>
+          </a:xfrm>
+          <a:prstGeom prst="rect">
+            <a:avLst/>
+          </a:prstGeom>
+          <a:solidFill>
+            <a:srgbClr val="FF0000"/>
+          </a:solidFill>
+          <a:ln w="28575">
+            <a:solidFill>
+              <a:schemeClr val="tx2">
+                <a:lumMod val="75000"/>
+              </a:schemeClr>
+            </a:solidFill>
+          </a:ln>
+        </p:spPr>
+        <p:style>
+          <a:lnRef idx="2">
+            <a:schemeClr val="accent1">
+              <a:shade val="50000"/>
+            </a:schemeClr>
+          </a:lnRef>
+          <a:fillRef idx="1">
+            <a:schemeClr val="accent1"/>
+          </a:fillRef>
+          <a:effectRef idx="0">
+            <a:schemeClr val="accent1"/>
+          </a:effectRef>
+          <a:fontRef idx="minor">
+            <a:schemeClr val="lt1"/>
+          </a:fontRef>
+        </p:style>
+        <p:txBody>
+          <a:bodyPr rtlCol="0" anchor="ctr"/>
+          <a:lstStyle/>
+          <a:p>
+            <a:pPr algn="ctr"/>
+            <a:endParaRPr lang="ko-KR" altLang="en-US"/>
+          </a:p>
+        </p:txBody>
+      </p:sp>
+      <p:sp>
+        <p:nvSpPr>
+          <p:cNvPr id="80" name="TextBox 79">
+            <a:extLst>
+              <a:ext uri="{FF2B5EF4-FFF2-40B4-BE49-F238E27FC236}">
+                <a16:creationId xmlns:a16="http://schemas.microsoft.com/office/drawing/2014/main" id="{5EBCC5E0-C5F5-4AB2-8A1B-BC6D1C8CA20A}"/>
               </a:ext>
             </a:extLst>
           </p:cNvPr>
@@ -4375,8 +5600,8 @@
         </p:nvSpPr>
         <p:spPr>
           <a:xfrm>
-            <a:off x="6296403" y="807082"/>
-            <a:ext cx="5835252" cy="369332"/>
+            <a:off x="935495" y="1698649"/>
+            <a:ext cx="1296573" cy="307777"/>
           </a:xfrm>
           <a:prstGeom prst="rect">
             <a:avLst/>
@@ -4390,8 +5615,866 @@
           <a:lstStyle/>
           <a:p>
             <a:r>
+              <a:rPr lang="en-US" altLang="ko-KR" sz="1400" dirty="0"/>
+              <a:t>Start  /  Clear</a:t>
+            </a:r>
+            <a:endParaRPr lang="ko-KR" altLang="en-US" sz="1400" dirty="0"/>
+          </a:p>
+        </p:txBody>
+      </p:sp>
+      <p:sp>
+        <p:nvSpPr>
+          <p:cNvPr id="81" name="직사각형 80">
+            <a:extLst>
+              <a:ext uri="{FF2B5EF4-FFF2-40B4-BE49-F238E27FC236}">
+                <a16:creationId xmlns:a16="http://schemas.microsoft.com/office/drawing/2014/main" id="{F29C464A-E58A-48EA-BBC1-1D0CCD7FA1E5}"/>
+              </a:ext>
+            </a:extLst>
+          </p:cNvPr>
+          <p:cNvSpPr/>
+          <p:nvPr/>
+        </p:nvSpPr>
+        <p:spPr>
+          <a:xfrm>
+            <a:off x="9646276" y="3156059"/>
+            <a:ext cx="259529" cy="259530"/>
+          </a:xfrm>
+          <a:prstGeom prst="rect">
+            <a:avLst/>
+          </a:prstGeom>
+          <a:solidFill>
+            <a:srgbClr val="FF0000"/>
+          </a:solidFill>
+          <a:ln w="28575">
+            <a:solidFill>
+              <a:schemeClr val="tx2">
+                <a:lumMod val="75000"/>
+              </a:schemeClr>
+            </a:solidFill>
+          </a:ln>
+        </p:spPr>
+        <p:style>
+          <a:lnRef idx="2">
+            <a:schemeClr val="accent1">
+              <a:shade val="50000"/>
+            </a:schemeClr>
+          </a:lnRef>
+          <a:fillRef idx="1">
+            <a:schemeClr val="accent1"/>
+          </a:fillRef>
+          <a:effectRef idx="0">
+            <a:schemeClr val="accent1"/>
+          </a:effectRef>
+          <a:fontRef idx="minor">
+            <a:schemeClr val="lt1"/>
+          </a:fontRef>
+        </p:style>
+        <p:txBody>
+          <a:bodyPr rtlCol="0" anchor="ctr"/>
+          <a:lstStyle/>
+          <a:p>
+            <a:pPr algn="ctr"/>
+            <a:endParaRPr lang="ko-KR" altLang="en-US"/>
+          </a:p>
+        </p:txBody>
+      </p:sp>
+      <p:sp>
+        <p:nvSpPr>
+          <p:cNvPr id="82" name="직사각형 81">
+            <a:extLst>
+              <a:ext uri="{FF2B5EF4-FFF2-40B4-BE49-F238E27FC236}">
+                <a16:creationId xmlns:a16="http://schemas.microsoft.com/office/drawing/2014/main" id="{1051D4B8-5A79-4E2B-B3F2-01499604D94F}"/>
+              </a:ext>
+            </a:extLst>
+          </p:cNvPr>
+          <p:cNvSpPr/>
+          <p:nvPr/>
+        </p:nvSpPr>
+        <p:spPr>
+          <a:xfrm>
+            <a:off x="3252892" y="5955092"/>
+            <a:ext cx="259529" cy="259530"/>
+          </a:xfrm>
+          <a:prstGeom prst="rect">
+            <a:avLst/>
+          </a:prstGeom>
+          <a:solidFill>
+            <a:srgbClr val="FF0000"/>
+          </a:solidFill>
+          <a:ln w="28575">
+            <a:solidFill>
+              <a:schemeClr val="tx2">
+                <a:lumMod val="75000"/>
+              </a:schemeClr>
+            </a:solidFill>
+          </a:ln>
+        </p:spPr>
+        <p:style>
+          <a:lnRef idx="2">
+            <a:schemeClr val="accent1">
+              <a:shade val="50000"/>
+            </a:schemeClr>
+          </a:lnRef>
+          <a:fillRef idx="1">
+            <a:schemeClr val="accent1"/>
+          </a:fillRef>
+          <a:effectRef idx="0">
+            <a:schemeClr val="accent1"/>
+          </a:effectRef>
+          <a:fontRef idx="minor">
+            <a:schemeClr val="lt1"/>
+          </a:fontRef>
+        </p:style>
+        <p:txBody>
+          <a:bodyPr rtlCol="0" anchor="ctr"/>
+          <a:lstStyle/>
+          <a:p>
+            <a:pPr algn="ctr"/>
+            <a:endParaRPr lang="ko-KR" altLang="en-US"/>
+          </a:p>
+        </p:txBody>
+      </p:sp>
+    </p:spTree>
+    <p:extLst>
+      <p:ext uri="{BB962C8B-B14F-4D97-AF65-F5344CB8AC3E}">
+        <p14:creationId xmlns:p14="http://schemas.microsoft.com/office/powerpoint/2010/main" val="3005644429"/>
+      </p:ext>
+    </p:extLst>
+  </p:cSld>
+  <p:clrMapOvr>
+    <a:masterClrMapping/>
+  </p:clrMapOvr>
+</p:sld>
+</file>
+
+<file path=ppt/slides/slide4.xml><?xml version="1.0" encoding="utf-8"?>
+<p:sld xmlns:a="http://schemas.openxmlformats.org/drawingml/2006/main" xmlns:r="http://schemas.openxmlformats.org/officeDocument/2006/relationships" xmlns:p="http://schemas.openxmlformats.org/presentationml/2006/main">
+  <p:cSld>
+    <p:spTree>
+      <p:nvGrpSpPr>
+        <p:cNvPr id="1" name=""/>
+        <p:cNvGrpSpPr/>
+        <p:nvPr/>
+      </p:nvGrpSpPr>
+      <p:grpSpPr>
+        <a:xfrm>
+          <a:off x="0" y="0"/>
+          <a:ext cx="0" cy="0"/>
+          <a:chOff x="0" y="0"/>
+          <a:chExt cx="0" cy="0"/>
+        </a:xfrm>
+      </p:grpSpPr>
+      <p:sp>
+        <p:nvSpPr>
+          <p:cNvPr id="12" name="직사각형 11">
+            <a:extLst>
+              <a:ext uri="{FF2B5EF4-FFF2-40B4-BE49-F238E27FC236}">
+                <a16:creationId xmlns:a16="http://schemas.microsoft.com/office/drawing/2014/main" id="{D7BE6F4C-F93D-41B7-8EED-32462A692FAD}"/>
+              </a:ext>
+            </a:extLst>
+          </p:cNvPr>
+          <p:cNvSpPr/>
+          <p:nvPr/>
+        </p:nvSpPr>
+        <p:spPr>
+          <a:xfrm>
+            <a:off x="463243" y="433853"/>
+            <a:ext cx="259529" cy="259529"/>
+          </a:xfrm>
+          <a:prstGeom prst="rect">
+            <a:avLst/>
+          </a:prstGeom>
+          <a:solidFill>
+            <a:schemeClr val="accent4">
+              <a:lumMod val="20000"/>
+              <a:lumOff val="80000"/>
+            </a:schemeClr>
+          </a:solidFill>
+          <a:ln w="28575">
+            <a:solidFill>
+              <a:schemeClr val="tx2">
+                <a:lumMod val="75000"/>
+              </a:schemeClr>
+            </a:solidFill>
+          </a:ln>
+        </p:spPr>
+        <p:style>
+          <a:lnRef idx="2">
+            <a:schemeClr val="accent1">
+              <a:shade val="50000"/>
+            </a:schemeClr>
+          </a:lnRef>
+          <a:fillRef idx="1">
+            <a:schemeClr val="accent1"/>
+          </a:fillRef>
+          <a:effectRef idx="0">
+            <a:schemeClr val="accent1"/>
+          </a:effectRef>
+          <a:fontRef idx="minor">
+            <a:schemeClr val="lt1"/>
+          </a:fontRef>
+        </p:style>
+        <p:txBody>
+          <a:bodyPr rtlCol="0" anchor="ctr"/>
+          <a:lstStyle/>
+          <a:p>
+            <a:pPr algn="ctr"/>
+            <a:endParaRPr lang="ko-KR" altLang="en-US"/>
+          </a:p>
+        </p:txBody>
+      </p:sp>
+      <p:sp>
+        <p:nvSpPr>
+          <p:cNvPr id="13" name="TextBox 12">
+            <a:extLst>
+              <a:ext uri="{FF2B5EF4-FFF2-40B4-BE49-F238E27FC236}">
+                <a16:creationId xmlns:a16="http://schemas.microsoft.com/office/drawing/2014/main" id="{AD2D5210-BC3D-4292-8ACD-EB8EEDEADA37}"/>
+              </a:ext>
+            </a:extLst>
+          </p:cNvPr>
+          <p:cNvSpPr txBox="1"/>
+          <p:nvPr/>
+        </p:nvSpPr>
+        <p:spPr>
+          <a:xfrm>
+            <a:off x="869950" y="409728"/>
+            <a:ext cx="902811" cy="307777"/>
+          </a:xfrm>
+          <a:prstGeom prst="rect">
+            <a:avLst/>
+          </a:prstGeom>
+          <a:noFill/>
+        </p:spPr>
+        <p:txBody>
+          <a:bodyPr wrap="none" rtlCol="0">
+            <a:spAutoFit/>
+          </a:bodyPr>
+          <a:lstStyle/>
+          <a:p>
+            <a:r>
+              <a:rPr lang="ko-KR" altLang="en-US" sz="1400" dirty="0"/>
+              <a:t>오브젝트</a:t>
+            </a:r>
+          </a:p>
+        </p:txBody>
+      </p:sp>
+      <p:sp>
+        <p:nvSpPr>
+          <p:cNvPr id="14" name="직사각형 13">
+            <a:extLst>
+              <a:ext uri="{FF2B5EF4-FFF2-40B4-BE49-F238E27FC236}">
+                <a16:creationId xmlns:a16="http://schemas.microsoft.com/office/drawing/2014/main" id="{4027E696-B686-4171-A16A-97CACA200862}"/>
+              </a:ext>
+            </a:extLst>
+          </p:cNvPr>
+          <p:cNvSpPr/>
+          <p:nvPr/>
+        </p:nvSpPr>
+        <p:spPr>
+          <a:xfrm>
+            <a:off x="463243" y="861984"/>
+            <a:ext cx="259529" cy="259530"/>
+          </a:xfrm>
+          <a:prstGeom prst="rect">
+            <a:avLst/>
+          </a:prstGeom>
+          <a:solidFill>
+            <a:schemeClr val="accent1"/>
+          </a:solidFill>
+          <a:ln w="28575">
+            <a:solidFill>
+              <a:schemeClr val="tx2">
+                <a:lumMod val="75000"/>
+              </a:schemeClr>
+            </a:solidFill>
+          </a:ln>
+        </p:spPr>
+        <p:style>
+          <a:lnRef idx="2">
+            <a:schemeClr val="accent1">
+              <a:shade val="50000"/>
+            </a:schemeClr>
+          </a:lnRef>
+          <a:fillRef idx="1">
+            <a:schemeClr val="accent1"/>
+          </a:fillRef>
+          <a:effectRef idx="0">
+            <a:schemeClr val="accent1"/>
+          </a:effectRef>
+          <a:fontRef idx="minor">
+            <a:schemeClr val="lt1"/>
+          </a:fontRef>
+        </p:style>
+        <p:txBody>
+          <a:bodyPr rtlCol="0" anchor="ctr"/>
+          <a:lstStyle/>
+          <a:p>
+            <a:pPr algn="ctr"/>
+            <a:endParaRPr lang="ko-KR" altLang="en-US"/>
+          </a:p>
+        </p:txBody>
+      </p:sp>
+      <p:sp>
+        <p:nvSpPr>
+          <p:cNvPr id="15" name="TextBox 14">
+            <a:extLst>
+              <a:ext uri="{FF2B5EF4-FFF2-40B4-BE49-F238E27FC236}">
+                <a16:creationId xmlns:a16="http://schemas.microsoft.com/office/drawing/2014/main" id="{DCA4EF91-8A79-478E-BAAA-81D46CC0DFBC}"/>
+              </a:ext>
+            </a:extLst>
+          </p:cNvPr>
+          <p:cNvSpPr txBox="1"/>
+          <p:nvPr/>
+        </p:nvSpPr>
+        <p:spPr>
+          <a:xfrm>
+            <a:off x="1139254" y="837860"/>
+            <a:ext cx="364202" cy="307777"/>
+          </a:xfrm>
+          <a:prstGeom prst="rect">
+            <a:avLst/>
+          </a:prstGeom>
+          <a:noFill/>
+        </p:spPr>
+        <p:txBody>
+          <a:bodyPr wrap="none" rtlCol="0">
+            <a:spAutoFit/>
+          </a:bodyPr>
+          <a:lstStyle/>
+          <a:p>
+            <a:r>
+              <a:rPr lang="ko-KR" altLang="en-US" sz="1400" dirty="0"/>
+              <a:t>물</a:t>
+            </a:r>
+          </a:p>
+        </p:txBody>
+      </p:sp>
+      <p:sp>
+        <p:nvSpPr>
+          <p:cNvPr id="16" name="직사각형 15">
+            <a:extLst>
+              <a:ext uri="{FF2B5EF4-FFF2-40B4-BE49-F238E27FC236}">
+                <a16:creationId xmlns:a16="http://schemas.microsoft.com/office/drawing/2014/main" id="{F5E505D5-0CF3-4F5B-8B8F-E157A937ABDC}"/>
+              </a:ext>
+            </a:extLst>
+          </p:cNvPr>
+          <p:cNvSpPr/>
+          <p:nvPr/>
+        </p:nvSpPr>
+        <p:spPr>
+          <a:xfrm>
+            <a:off x="463243" y="1290116"/>
+            <a:ext cx="259529" cy="259530"/>
+          </a:xfrm>
+          <a:prstGeom prst="rect">
+            <a:avLst/>
+          </a:prstGeom>
+          <a:solidFill>
+            <a:schemeClr val="tx1">
+              <a:lumMod val="50000"/>
+              <a:lumOff val="50000"/>
+            </a:schemeClr>
+          </a:solidFill>
+          <a:ln w="28575">
+            <a:solidFill>
+              <a:schemeClr val="tx2">
+                <a:lumMod val="75000"/>
+              </a:schemeClr>
+            </a:solidFill>
+          </a:ln>
+        </p:spPr>
+        <p:style>
+          <a:lnRef idx="2">
+            <a:schemeClr val="accent1">
+              <a:shade val="50000"/>
+            </a:schemeClr>
+          </a:lnRef>
+          <a:fillRef idx="1">
+            <a:schemeClr val="accent1"/>
+          </a:fillRef>
+          <a:effectRef idx="0">
+            <a:schemeClr val="accent1"/>
+          </a:effectRef>
+          <a:fontRef idx="minor">
+            <a:schemeClr val="lt1"/>
+          </a:fontRef>
+        </p:style>
+        <p:txBody>
+          <a:bodyPr rtlCol="0" anchor="ctr"/>
+          <a:lstStyle/>
+          <a:p>
+            <a:pPr algn="ctr"/>
+            <a:endParaRPr lang="ko-KR" altLang="en-US"/>
+          </a:p>
+        </p:txBody>
+      </p:sp>
+      <p:sp>
+        <p:nvSpPr>
+          <p:cNvPr id="17" name="TextBox 16">
+            <a:extLst>
+              <a:ext uri="{FF2B5EF4-FFF2-40B4-BE49-F238E27FC236}">
+                <a16:creationId xmlns:a16="http://schemas.microsoft.com/office/drawing/2014/main" id="{978CB676-9F38-491D-95EC-12D319A379DB}"/>
+              </a:ext>
+            </a:extLst>
+          </p:cNvPr>
+          <p:cNvSpPr txBox="1"/>
+          <p:nvPr/>
+        </p:nvSpPr>
+        <p:spPr>
+          <a:xfrm>
+            <a:off x="869950" y="1265992"/>
+            <a:ext cx="902811" cy="307777"/>
+          </a:xfrm>
+          <a:prstGeom prst="rect">
+            <a:avLst/>
+          </a:prstGeom>
+          <a:noFill/>
+        </p:spPr>
+        <p:txBody>
+          <a:bodyPr wrap="none" rtlCol="0">
+            <a:spAutoFit/>
+          </a:bodyPr>
+          <a:lstStyle/>
+          <a:p>
+            <a:r>
+              <a:rPr lang="ko-KR" altLang="en-US" sz="1400" dirty="0"/>
+              <a:t>이동통로</a:t>
+            </a:r>
+          </a:p>
+        </p:txBody>
+      </p:sp>
+      <p:cxnSp>
+        <p:nvCxnSpPr>
+          <p:cNvPr id="24" name="직선 화살표 연결선 23">
+            <a:extLst>
+              <a:ext uri="{FF2B5EF4-FFF2-40B4-BE49-F238E27FC236}">
+                <a16:creationId xmlns:a16="http://schemas.microsoft.com/office/drawing/2014/main" id="{3F6F52C7-6D88-4C3D-BF9A-EFD4FD58B040}"/>
+              </a:ext>
+            </a:extLst>
+          </p:cNvPr>
+          <p:cNvCxnSpPr/>
+          <p:nvPr/>
+        </p:nvCxnSpPr>
+        <p:spPr>
+          <a:xfrm>
+            <a:off x="463243" y="1814483"/>
+            <a:ext cx="259529" cy="0"/>
+          </a:xfrm>
+          <a:prstGeom prst="straightConnector1">
+            <a:avLst/>
+          </a:prstGeom>
+          <a:ln w="19050">
+            <a:solidFill>
+              <a:srgbClr val="C00000"/>
+            </a:solidFill>
+            <a:tailEnd type="triangle"/>
+          </a:ln>
+        </p:spPr>
+        <p:style>
+          <a:lnRef idx="1">
+            <a:schemeClr val="accent1"/>
+          </a:lnRef>
+          <a:fillRef idx="0">
+            <a:schemeClr val="accent1"/>
+          </a:fillRef>
+          <a:effectRef idx="0">
+            <a:schemeClr val="accent1"/>
+          </a:effectRef>
+          <a:fontRef idx="minor">
+            <a:schemeClr val="tx1"/>
+          </a:fontRef>
+        </p:style>
+      </p:cxnSp>
+      <p:sp>
+        <p:nvSpPr>
+          <p:cNvPr id="25" name="TextBox 24">
+            <a:extLst>
+              <a:ext uri="{FF2B5EF4-FFF2-40B4-BE49-F238E27FC236}">
+                <a16:creationId xmlns:a16="http://schemas.microsoft.com/office/drawing/2014/main" id="{18F29C9D-69E8-4916-B831-55ED59BC5844}"/>
+              </a:ext>
+            </a:extLst>
+          </p:cNvPr>
+          <p:cNvSpPr txBox="1"/>
+          <p:nvPr/>
+        </p:nvSpPr>
+        <p:spPr>
+          <a:xfrm>
+            <a:off x="869950" y="1660594"/>
+            <a:ext cx="1745991" cy="307777"/>
+          </a:xfrm>
+          <a:prstGeom prst="rect">
+            <a:avLst/>
+          </a:prstGeom>
+          <a:noFill/>
+        </p:spPr>
+        <p:txBody>
+          <a:bodyPr wrap="none" rtlCol="0">
+            <a:spAutoFit/>
+          </a:bodyPr>
+          <a:lstStyle/>
+          <a:p>
+            <a:r>
+              <a:rPr lang="ko-KR" altLang="en-US" sz="1400" dirty="0"/>
+              <a:t>플레이어 이동 방향</a:t>
+            </a:r>
+          </a:p>
+        </p:txBody>
+      </p:sp>
+      <p:sp>
+        <p:nvSpPr>
+          <p:cNvPr id="2" name="직사각형 1">
+            <a:extLst>
+              <a:ext uri="{FF2B5EF4-FFF2-40B4-BE49-F238E27FC236}">
+                <a16:creationId xmlns:a16="http://schemas.microsoft.com/office/drawing/2014/main" id="{16FE65A2-4326-4437-802E-95C6B02C1EFB}"/>
+              </a:ext>
+            </a:extLst>
+          </p:cNvPr>
+          <p:cNvSpPr/>
+          <p:nvPr/>
+        </p:nvSpPr>
+        <p:spPr>
+          <a:xfrm>
+            <a:off x="16405" y="4950084"/>
+            <a:ext cx="1882392" cy="1443499"/>
+          </a:xfrm>
+          <a:prstGeom prst="rect">
+            <a:avLst/>
+          </a:prstGeom>
+          <a:noFill/>
+          <a:ln w="28575">
+            <a:solidFill>
+              <a:schemeClr val="tx2">
+                <a:lumMod val="75000"/>
+              </a:schemeClr>
+            </a:solidFill>
+          </a:ln>
+        </p:spPr>
+        <p:style>
+          <a:lnRef idx="2">
+            <a:schemeClr val="accent1">
+              <a:shade val="50000"/>
+            </a:schemeClr>
+          </a:lnRef>
+          <a:fillRef idx="1">
+            <a:schemeClr val="accent1"/>
+          </a:fillRef>
+          <a:effectRef idx="0">
+            <a:schemeClr val="accent1"/>
+          </a:effectRef>
+          <a:fontRef idx="minor">
+            <a:schemeClr val="lt1"/>
+          </a:fontRef>
+        </p:style>
+        <p:txBody>
+          <a:bodyPr rtlCol="0" anchor="ctr"/>
+          <a:lstStyle/>
+          <a:p>
+            <a:pPr algn="ctr"/>
+            <a:endParaRPr lang="ko-KR" altLang="en-US"/>
+          </a:p>
+        </p:txBody>
+      </p:sp>
+      <p:sp>
+        <p:nvSpPr>
+          <p:cNvPr id="3" name="직사각형 2">
+            <a:extLst>
+              <a:ext uri="{FF2B5EF4-FFF2-40B4-BE49-F238E27FC236}">
+                <a16:creationId xmlns:a16="http://schemas.microsoft.com/office/drawing/2014/main" id="{B8ED6FB4-7A26-456E-95D4-D187BACE630D}"/>
+              </a:ext>
+            </a:extLst>
+          </p:cNvPr>
+          <p:cNvSpPr/>
+          <p:nvPr/>
+        </p:nvSpPr>
+        <p:spPr>
+          <a:xfrm>
+            <a:off x="16405" y="5372067"/>
+            <a:ext cx="617101" cy="198783"/>
+          </a:xfrm>
+          <a:prstGeom prst="rect">
+            <a:avLst/>
+          </a:prstGeom>
+          <a:noFill/>
+          <a:ln w="28575">
+            <a:solidFill>
+              <a:schemeClr val="tx2">
+                <a:lumMod val="75000"/>
+              </a:schemeClr>
+            </a:solidFill>
+          </a:ln>
+        </p:spPr>
+        <p:style>
+          <a:lnRef idx="2">
+            <a:schemeClr val="accent1">
+              <a:shade val="50000"/>
+            </a:schemeClr>
+          </a:lnRef>
+          <a:fillRef idx="1">
+            <a:schemeClr val="accent1"/>
+          </a:fillRef>
+          <a:effectRef idx="0">
+            <a:schemeClr val="accent1"/>
+          </a:effectRef>
+          <a:fontRef idx="minor">
+            <a:schemeClr val="lt1"/>
+          </a:fontRef>
+        </p:style>
+        <p:txBody>
+          <a:bodyPr rtlCol="0" anchor="ctr"/>
+          <a:lstStyle/>
+          <a:p>
+            <a:pPr algn="ctr"/>
+            <a:endParaRPr lang="ko-KR" altLang="en-US"/>
+          </a:p>
+        </p:txBody>
+      </p:sp>
+      <p:sp>
+        <p:nvSpPr>
+          <p:cNvPr id="30" name="직사각형 29">
+            <a:extLst>
+              <a:ext uri="{FF2B5EF4-FFF2-40B4-BE49-F238E27FC236}">
+                <a16:creationId xmlns:a16="http://schemas.microsoft.com/office/drawing/2014/main" id="{6AD5AF3F-AC22-4754-867C-786F8C36DE1D}"/>
+              </a:ext>
+            </a:extLst>
+          </p:cNvPr>
+          <p:cNvSpPr/>
+          <p:nvPr/>
+        </p:nvSpPr>
+        <p:spPr>
+          <a:xfrm>
+            <a:off x="1281696" y="5800208"/>
+            <a:ext cx="617101" cy="198783"/>
+          </a:xfrm>
+          <a:prstGeom prst="rect">
+            <a:avLst/>
+          </a:prstGeom>
+          <a:noFill/>
+          <a:ln w="28575">
+            <a:solidFill>
+              <a:schemeClr val="tx2">
+                <a:lumMod val="75000"/>
+              </a:schemeClr>
+            </a:solidFill>
+          </a:ln>
+        </p:spPr>
+        <p:style>
+          <a:lnRef idx="2">
+            <a:schemeClr val="accent1">
+              <a:shade val="50000"/>
+            </a:schemeClr>
+          </a:lnRef>
+          <a:fillRef idx="1">
+            <a:schemeClr val="accent1"/>
+          </a:fillRef>
+          <a:effectRef idx="0">
+            <a:schemeClr val="accent1"/>
+          </a:effectRef>
+          <a:fontRef idx="minor">
+            <a:schemeClr val="lt1"/>
+          </a:fontRef>
+        </p:style>
+        <p:txBody>
+          <a:bodyPr rtlCol="0" anchor="ctr"/>
+          <a:lstStyle/>
+          <a:p>
+            <a:pPr algn="ctr"/>
+            <a:endParaRPr lang="ko-KR" altLang="en-US"/>
+          </a:p>
+        </p:txBody>
+      </p:sp>
+      <p:sp>
+        <p:nvSpPr>
+          <p:cNvPr id="32" name="직사각형 31">
+            <a:extLst>
+              <a:ext uri="{FF2B5EF4-FFF2-40B4-BE49-F238E27FC236}">
+                <a16:creationId xmlns:a16="http://schemas.microsoft.com/office/drawing/2014/main" id="{8F2CA6B4-891E-420C-A192-26E6CAD931D0}"/>
+              </a:ext>
+            </a:extLst>
+          </p:cNvPr>
+          <p:cNvSpPr/>
+          <p:nvPr/>
+        </p:nvSpPr>
+        <p:spPr>
+          <a:xfrm>
+            <a:off x="1281695" y="3802444"/>
+            <a:ext cx="617101" cy="198783"/>
+          </a:xfrm>
+          <a:prstGeom prst="rect">
+            <a:avLst/>
+          </a:prstGeom>
+          <a:noFill/>
+          <a:ln w="28575">
+            <a:solidFill>
+              <a:schemeClr val="tx2">
+                <a:lumMod val="75000"/>
+              </a:schemeClr>
+            </a:solidFill>
+          </a:ln>
+        </p:spPr>
+        <p:style>
+          <a:lnRef idx="2">
+            <a:schemeClr val="accent1">
+              <a:shade val="50000"/>
+            </a:schemeClr>
+          </a:lnRef>
+          <a:fillRef idx="1">
+            <a:schemeClr val="accent1"/>
+          </a:fillRef>
+          <a:effectRef idx="0">
+            <a:schemeClr val="accent1"/>
+          </a:effectRef>
+          <a:fontRef idx="minor">
+            <a:schemeClr val="lt1"/>
+          </a:fontRef>
+        </p:style>
+        <p:txBody>
+          <a:bodyPr rtlCol="0" anchor="ctr"/>
+          <a:lstStyle/>
+          <a:p>
+            <a:pPr algn="ctr"/>
+            <a:endParaRPr lang="ko-KR" altLang="en-US"/>
+          </a:p>
+        </p:txBody>
+      </p:sp>
+      <p:sp>
+        <p:nvSpPr>
+          <p:cNvPr id="33" name="직사각형 32">
+            <a:extLst>
+              <a:ext uri="{FF2B5EF4-FFF2-40B4-BE49-F238E27FC236}">
+                <a16:creationId xmlns:a16="http://schemas.microsoft.com/office/drawing/2014/main" id="{6B9BF1F2-3945-4CFF-B0C8-DA3452F6A001}"/>
+              </a:ext>
+            </a:extLst>
+          </p:cNvPr>
+          <p:cNvSpPr/>
+          <p:nvPr/>
+        </p:nvSpPr>
+        <p:spPr>
+          <a:xfrm>
+            <a:off x="16404" y="3052564"/>
+            <a:ext cx="617101" cy="198783"/>
+          </a:xfrm>
+          <a:prstGeom prst="rect">
+            <a:avLst/>
+          </a:prstGeom>
+          <a:noFill/>
+          <a:ln w="28575">
+            <a:solidFill>
+              <a:schemeClr val="tx2">
+                <a:lumMod val="75000"/>
+              </a:schemeClr>
+            </a:solidFill>
+          </a:ln>
+        </p:spPr>
+        <p:style>
+          <a:lnRef idx="2">
+            <a:schemeClr val="accent1">
+              <a:shade val="50000"/>
+            </a:schemeClr>
+          </a:lnRef>
+          <a:fillRef idx="1">
+            <a:schemeClr val="accent1"/>
+          </a:fillRef>
+          <a:effectRef idx="0">
+            <a:schemeClr val="accent1"/>
+          </a:effectRef>
+          <a:fontRef idx="minor">
+            <a:schemeClr val="lt1"/>
+          </a:fontRef>
+        </p:style>
+        <p:txBody>
+          <a:bodyPr rtlCol="0" anchor="ctr"/>
+          <a:lstStyle/>
+          <a:p>
+            <a:pPr algn="ctr"/>
+            <a:endParaRPr lang="ko-KR" altLang="en-US"/>
+          </a:p>
+        </p:txBody>
+      </p:sp>
+      <p:sp>
+        <p:nvSpPr>
+          <p:cNvPr id="34" name="직사각형 33">
+            <a:extLst>
+              <a:ext uri="{FF2B5EF4-FFF2-40B4-BE49-F238E27FC236}">
+                <a16:creationId xmlns:a16="http://schemas.microsoft.com/office/drawing/2014/main" id="{4B5430E4-A6A3-4390-873C-4FC8F9CA842C}"/>
+              </a:ext>
+            </a:extLst>
+          </p:cNvPr>
+          <p:cNvSpPr/>
+          <p:nvPr/>
+        </p:nvSpPr>
+        <p:spPr>
+          <a:xfrm>
+            <a:off x="0" y="4449942"/>
+            <a:ext cx="617101" cy="198783"/>
+          </a:xfrm>
+          <a:prstGeom prst="rect">
+            <a:avLst/>
+          </a:prstGeom>
+          <a:noFill/>
+          <a:ln w="28575">
+            <a:solidFill>
+              <a:schemeClr val="tx2">
+                <a:lumMod val="75000"/>
+              </a:schemeClr>
+            </a:solidFill>
+          </a:ln>
+        </p:spPr>
+        <p:style>
+          <a:lnRef idx="2">
+            <a:schemeClr val="accent1">
+              <a:shade val="50000"/>
+            </a:schemeClr>
+          </a:lnRef>
+          <a:fillRef idx="1">
+            <a:schemeClr val="accent1"/>
+          </a:fillRef>
+          <a:effectRef idx="0">
+            <a:schemeClr val="accent1"/>
+          </a:effectRef>
+          <a:fontRef idx="minor">
+            <a:schemeClr val="lt1"/>
+          </a:fontRef>
+        </p:style>
+        <p:txBody>
+          <a:bodyPr rtlCol="0" anchor="ctr"/>
+          <a:lstStyle/>
+          <a:p>
+            <a:pPr algn="ctr"/>
+            <a:endParaRPr lang="ko-KR" altLang="en-US"/>
+          </a:p>
+        </p:txBody>
+      </p:sp>
+      <p:sp>
+        <p:nvSpPr>
+          <p:cNvPr id="6" name="TextBox 5">
+            <a:extLst>
+              <a:ext uri="{FF2B5EF4-FFF2-40B4-BE49-F238E27FC236}">
+                <a16:creationId xmlns:a16="http://schemas.microsoft.com/office/drawing/2014/main" id="{45AD00DC-43E4-4FEE-AFDD-52B2EFF9A481}"/>
+              </a:ext>
+            </a:extLst>
+          </p:cNvPr>
+          <p:cNvSpPr txBox="1"/>
+          <p:nvPr/>
+        </p:nvSpPr>
+        <p:spPr>
+          <a:xfrm>
+            <a:off x="6296403" y="807082"/>
+            <a:ext cx="6367449" cy="369332"/>
+          </a:xfrm>
+          <a:prstGeom prst="rect">
+            <a:avLst/>
+          </a:prstGeom>
+          <a:noFill/>
+        </p:spPr>
+        <p:txBody>
+          <a:bodyPr wrap="none" rtlCol="0">
+            <a:spAutoFit/>
+          </a:bodyPr>
+          <a:lstStyle/>
+          <a:p>
+            <a:r>
               <a:rPr lang="ko-KR" altLang="en-US" dirty="0"/>
-              <a:t>물 빼기를 이용한 난이도 하의 스테이지 하나 제작하기</a:t>
+              <a:t>물 빼기를 이용한 난이도 하심화의 스테이지 하나 제작하기</a:t>
             </a:r>
           </a:p>
         </p:txBody>
@@ -5076,7 +7159,7 @@
     </p:spTree>
     <p:extLst>
       <p:ext uri="{BB962C8B-B14F-4D97-AF65-F5344CB8AC3E}">
-        <p14:creationId xmlns:p14="http://schemas.microsoft.com/office/powerpoint/2010/main" val="3005644429"/>
+        <p14:creationId xmlns:p14="http://schemas.microsoft.com/office/powerpoint/2010/main" val="3050224587"/>
       </p:ext>
     </p:extLst>
   </p:cSld>
@@ -5086,7 +7169,7 @@
 </p:sld>
 </file>
 
-<file path=ppt/slides/slide3.xml><?xml version="1.0" encoding="utf-8"?>
+<file path=ppt/slides/slide5.xml><?xml version="1.0" encoding="utf-8"?>
 <p:sld xmlns:a="http://schemas.openxmlformats.org/drawingml/2006/main" xmlns:r="http://schemas.openxmlformats.org/officeDocument/2006/relationships" xmlns:p="http://schemas.openxmlformats.org/presentationml/2006/main">
   <p:cSld>
     <p:spTree>
@@ -6797,6 +8880,65 @@
     <p:extLst>
       <p:ext uri="{BB962C8B-B14F-4D97-AF65-F5344CB8AC3E}">
         <p14:creationId xmlns:p14="http://schemas.microsoft.com/office/powerpoint/2010/main" val="2807490896"/>
+      </p:ext>
+    </p:extLst>
+  </p:cSld>
+  <p:clrMapOvr>
+    <a:masterClrMapping/>
+  </p:clrMapOvr>
+</p:sld>
+</file>
+
+<file path=ppt/slides/slide6.xml><?xml version="1.0" encoding="utf-8"?>
+<p:sld xmlns:a="http://schemas.openxmlformats.org/drawingml/2006/main" xmlns:r="http://schemas.openxmlformats.org/officeDocument/2006/relationships" xmlns:p="http://schemas.openxmlformats.org/presentationml/2006/main">
+  <p:cSld>
+    <p:spTree>
+      <p:nvGrpSpPr>
+        <p:cNvPr id="1" name=""/>
+        <p:cNvGrpSpPr/>
+        <p:nvPr/>
+      </p:nvGrpSpPr>
+      <p:grpSpPr>
+        <a:xfrm>
+          <a:off x="0" y="0"/>
+          <a:ext cx="0" cy="0"/>
+          <a:chOff x="0" y="0"/>
+          <a:chExt cx="0" cy="0"/>
+        </a:xfrm>
+      </p:grpSpPr>
+      <p:pic>
+        <p:nvPicPr>
+          <p:cNvPr id="5" name="그림 4">
+            <a:extLst>
+              <a:ext uri="{FF2B5EF4-FFF2-40B4-BE49-F238E27FC236}">
+                <a16:creationId xmlns:a16="http://schemas.microsoft.com/office/drawing/2014/main" id="{F36B5990-75AF-4CAB-B7FC-C03006D5B005}"/>
+              </a:ext>
+            </a:extLst>
+          </p:cNvPr>
+          <p:cNvPicPr>
+            <a:picLocks noChangeAspect="1"/>
+          </p:cNvPicPr>
+          <p:nvPr/>
+        </p:nvPicPr>
+        <p:blipFill rotWithShape="1">
+          <a:blip r:embed="rId2"/>
+          <a:srcRect l="22500" t="21250" r="57344" b="30833"/>
+          <a:stretch/>
+        </p:blipFill>
+        <p:spPr>
+          <a:xfrm>
+            <a:off x="742950" y="828674"/>
+            <a:ext cx="7258050" cy="4852767"/>
+          </a:xfrm>
+          <a:prstGeom prst="rect">
+            <a:avLst/>
+          </a:prstGeom>
+        </p:spPr>
+      </p:pic>
+    </p:spTree>
+    <p:extLst>
+      <p:ext uri="{BB962C8B-B14F-4D97-AF65-F5344CB8AC3E}">
+        <p14:creationId xmlns:p14="http://schemas.microsoft.com/office/powerpoint/2010/main" val="1869960153"/>
       </p:ext>
     </p:extLst>
   </p:cSld>

--- a/개인작업폴더/김나연/물행성.pptx
+++ b/개인작업폴더/김나연/물행성.pptx
@@ -6458,7 +6458,7 @@
         </p:nvSpPr>
         <p:spPr>
           <a:xfrm>
-            <a:off x="6296403" y="807082"/>
+            <a:off x="5904355" y="92395"/>
             <a:ext cx="6367449" cy="369332"/>
           </a:xfrm>
           <a:prstGeom prst="rect">
